--- a/doc/figs/giga-impl-leveldb-clusterfs.pptx
+++ b/doc/figs/giga-impl-leveldb-clusterfs.pptx
@@ -5,10 +5,11 @@
     <p:sldMasterId id="2147483648" r:id="rId1"/>
   </p:sldMasterIdLst>
   <p:notesMasterIdLst>
-    <p:notesMasterId r:id="rId3"/>
+    <p:notesMasterId r:id="rId4"/>
   </p:notesMasterIdLst>
   <p:sldIdLst>
     <p:sldId id="257" r:id="rId2"/>
+    <p:sldId id="258" r:id="rId3"/>
   </p:sldIdLst>
   <p:sldSz cx="9144000" cy="6858000" type="screen4x3"/>
   <p:notesSz cx="6858000" cy="9144000"/>
@@ -193,7 +194,7 @@
             <a:fld id="{DE1B6262-5D69-7740-8386-5D94D65808CD}" type="datetimeFigureOut">
               <a:rPr lang="en-US" smtClean="0"/>
               <a:pPr/>
-              <a:t>9/28/12</a:t>
+              <a:t>9/29/12</a:t>
             </a:fld>
             <a:endParaRPr lang="en-US"/>
           </a:p>
@@ -551,6 +552,93 @@
 </p:notes>
 </file>
 
+<file path=ppt/notesSlides/notesSlide2.xml><?xml version="1.0" encoding="utf-8"?>
+<p:notes xmlns:a="http://schemas.openxmlformats.org/drawingml/2006/main" xmlns:r="http://schemas.openxmlformats.org/officeDocument/2006/relationships" xmlns:p="http://schemas.openxmlformats.org/presentationml/2006/main">
+  <p:cSld>
+    <p:spTree>
+      <p:nvGrpSpPr>
+        <p:cNvPr id="1" name=""/>
+        <p:cNvGrpSpPr/>
+        <p:nvPr/>
+      </p:nvGrpSpPr>
+      <p:grpSpPr>
+        <a:xfrm>
+          <a:off x="0" y="0"/>
+          <a:ext cx="0" cy="0"/>
+          <a:chOff x="0" y="0"/>
+          <a:chExt cx="0" cy="0"/>
+        </a:xfrm>
+      </p:grpSpPr>
+      <p:sp>
+        <p:nvSpPr>
+          <p:cNvPr id="2" name="Slide Image Placeholder 1"/>
+          <p:cNvSpPr>
+            <a:spLocks noGrp="1" noRot="1" noChangeAspect="1"/>
+          </p:cNvSpPr>
+          <p:nvPr>
+            <p:ph type="sldImg"/>
+          </p:nvPr>
+        </p:nvSpPr>
+        <p:spPr/>
+      </p:sp>
+      <p:sp>
+        <p:nvSpPr>
+          <p:cNvPr id="3" name="Notes Placeholder 2"/>
+          <p:cNvSpPr>
+            <a:spLocks noGrp="1"/>
+          </p:cNvSpPr>
+          <p:nvPr>
+            <p:ph type="body" idx="1"/>
+          </p:nvPr>
+        </p:nvSpPr>
+        <p:spPr/>
+        <p:txBody>
+          <a:bodyPr>
+            <a:normAutofit/>
+          </a:bodyPr>
+          <a:lstStyle/>
+          <a:p>
+            <a:endParaRPr lang="en-US" dirty="0"/>
+          </a:p>
+        </p:txBody>
+      </p:sp>
+      <p:sp>
+        <p:nvSpPr>
+          <p:cNvPr id="4" name="Slide Number Placeholder 3"/>
+          <p:cNvSpPr>
+            <a:spLocks noGrp="1"/>
+          </p:cNvSpPr>
+          <p:nvPr>
+            <p:ph type="sldNum" sz="quarter" idx="10"/>
+          </p:nvPr>
+        </p:nvSpPr>
+        <p:spPr/>
+        <p:txBody>
+          <a:bodyPr/>
+          <a:lstStyle/>
+          <a:p>
+            <a:pPr>
+              <a:defRPr/>
+            </a:pPr>
+            <a:fld id="{567FEF9B-B108-BE41-844A-DFC3AB1C6D76}" type="slidenum">
+              <a:rPr lang="en-US" smtClean="0"/>
+              <a:pPr>
+                <a:defRPr/>
+              </a:pPr>
+              <a:t>2</a:t>
+            </a:fld>
+            <a:endParaRPr lang="en-US"/>
+          </a:p>
+        </p:txBody>
+      </p:sp>
+    </p:spTree>
+  </p:cSld>
+  <p:clrMapOvr>
+    <a:masterClrMapping/>
+  </p:clrMapOvr>
+</p:notes>
+</file>
+
 <file path=ppt/slideLayouts/slideLayout1.xml><?xml version="1.0" encoding="utf-8"?>
 <p:sldLayout xmlns:a="http://schemas.openxmlformats.org/drawingml/2006/main" xmlns:r="http://schemas.openxmlformats.org/officeDocument/2006/relationships" xmlns:p="http://schemas.openxmlformats.org/presentationml/2006/main" type="title" preserve="1">
   <p:cSld name="Title Slide">
@@ -733,7 +821,7 @@
             <a:fld id="{5B49F42D-664D-1346-999F-D17DCD012ED5}" type="datetimeFigureOut">
               <a:rPr lang="en-US" smtClean="0"/>
               <a:pPr/>
-              <a:t>9/28/12</a:t>
+              <a:t>9/29/12</a:t>
             </a:fld>
             <a:endParaRPr lang="en-US"/>
           </a:p>
@@ -900,7 +988,7 @@
             <a:fld id="{5B49F42D-664D-1346-999F-D17DCD012ED5}" type="datetimeFigureOut">
               <a:rPr lang="en-US" smtClean="0"/>
               <a:pPr/>
-              <a:t>9/28/12</a:t>
+              <a:t>9/29/12</a:t>
             </a:fld>
             <a:endParaRPr lang="en-US"/>
           </a:p>
@@ -1077,7 +1165,7 @@
             <a:fld id="{5B49F42D-664D-1346-999F-D17DCD012ED5}" type="datetimeFigureOut">
               <a:rPr lang="en-US" smtClean="0"/>
               <a:pPr/>
-              <a:t>9/28/12</a:t>
+              <a:t>9/29/12</a:t>
             </a:fld>
             <a:endParaRPr lang="en-US"/>
           </a:p>
@@ -1244,7 +1332,7 @@
             <a:fld id="{5B49F42D-664D-1346-999F-D17DCD012ED5}" type="datetimeFigureOut">
               <a:rPr lang="en-US" smtClean="0"/>
               <a:pPr/>
-              <a:t>9/28/12</a:t>
+              <a:t>9/29/12</a:t>
             </a:fld>
             <a:endParaRPr lang="en-US"/>
           </a:p>
@@ -1487,7 +1575,7 @@
             <a:fld id="{5B49F42D-664D-1346-999F-D17DCD012ED5}" type="datetimeFigureOut">
               <a:rPr lang="en-US" smtClean="0"/>
               <a:pPr/>
-              <a:t>9/28/12</a:t>
+              <a:t>9/29/12</a:t>
             </a:fld>
             <a:endParaRPr lang="en-US"/>
           </a:p>
@@ -1772,7 +1860,7 @@
             <a:fld id="{5B49F42D-664D-1346-999F-D17DCD012ED5}" type="datetimeFigureOut">
               <a:rPr lang="en-US" smtClean="0"/>
               <a:pPr/>
-              <a:t>9/28/12</a:t>
+              <a:t>9/29/12</a:t>
             </a:fld>
             <a:endParaRPr lang="en-US"/>
           </a:p>
@@ -2191,7 +2279,7 @@
             <a:fld id="{5B49F42D-664D-1346-999F-D17DCD012ED5}" type="datetimeFigureOut">
               <a:rPr lang="en-US" smtClean="0"/>
               <a:pPr/>
-              <a:t>9/28/12</a:t>
+              <a:t>9/29/12</a:t>
             </a:fld>
             <a:endParaRPr lang="en-US"/>
           </a:p>
@@ -2306,7 +2394,7 @@
             <a:fld id="{5B49F42D-664D-1346-999F-D17DCD012ED5}" type="datetimeFigureOut">
               <a:rPr lang="en-US" smtClean="0"/>
               <a:pPr/>
-              <a:t>9/28/12</a:t>
+              <a:t>9/29/12</a:t>
             </a:fld>
             <a:endParaRPr lang="en-US"/>
           </a:p>
@@ -2398,7 +2486,7 @@
             <a:fld id="{5B49F42D-664D-1346-999F-D17DCD012ED5}" type="datetimeFigureOut">
               <a:rPr lang="en-US" smtClean="0"/>
               <a:pPr/>
-              <a:t>9/28/12</a:t>
+              <a:t>9/29/12</a:t>
             </a:fld>
             <a:endParaRPr lang="en-US"/>
           </a:p>
@@ -2672,7 +2760,7 @@
             <a:fld id="{5B49F42D-664D-1346-999F-D17DCD012ED5}" type="datetimeFigureOut">
               <a:rPr lang="en-US" smtClean="0"/>
               <a:pPr/>
-              <a:t>9/28/12</a:t>
+              <a:t>9/29/12</a:t>
             </a:fld>
             <a:endParaRPr lang="en-US"/>
           </a:p>
@@ -2922,7 +3010,7 @@
             <a:fld id="{5B49F42D-664D-1346-999F-D17DCD012ED5}" type="datetimeFigureOut">
               <a:rPr lang="en-US" smtClean="0"/>
               <a:pPr/>
-              <a:t>9/28/12</a:t>
+              <a:t>9/29/12</a:t>
             </a:fld>
             <a:endParaRPr lang="en-US"/>
           </a:p>
@@ -3132,7 +3220,7 @@
             <a:fld id="{5B49F42D-664D-1346-999F-D17DCD012ED5}" type="datetimeFigureOut">
               <a:rPr lang="en-US" smtClean="0"/>
               <a:pPr/>
-              <a:t>9/28/12</a:t>
+              <a:t>9/29/12</a:t>
             </a:fld>
             <a:endParaRPr lang="en-US"/>
           </a:p>
@@ -5904,7 +5992,7 @@
                 <a:latin typeface="Myriad Pro Semibold"/>
                 <a:cs typeface="Myriad Pro Semibold"/>
               </a:rPr>
-              <a:t>PanFS</a:t>
+              <a:t>ClusterFS</a:t>
             </a:r>
             <a:endParaRPr lang="en-US" sz="1400" b="0" dirty="0" smtClean="0">
               <a:solidFill>
@@ -6061,7 +6149,7 @@
                 <a:latin typeface="Myriad Pro"/>
                 <a:cs typeface="Myriad Pro"/>
               </a:rPr>
-              <a:t>TableFS</a:t>
+              <a:t>LevelDB</a:t>
             </a:r>
             <a:endParaRPr lang="en-US" sz="1400" b="1" dirty="0" smtClean="0">
               <a:solidFill>
@@ -6081,25 +6169,8 @@
                 <a:latin typeface="Myriad Pro"/>
                 <a:cs typeface="Myriad Pro"/>
               </a:rPr>
-              <a:t>for </a:t>
-            </a:r>
-            <a:r>
-              <a:rPr lang="en-US" sz="1400" dirty="0" smtClean="0">
-                <a:solidFill>
-                  <a:schemeClr val="bg1"/>
-                </a:solidFill>
-                <a:latin typeface="Myriad Pro"/>
-                <a:cs typeface="Myriad Pro"/>
-              </a:rPr>
-              <a:t>metadata</a:t>
-            </a:r>
-            <a:endParaRPr lang="en-US" sz="1400" dirty="0" smtClean="0">
-              <a:solidFill>
-                <a:schemeClr val="bg1"/>
-              </a:solidFill>
-              <a:latin typeface="Myriad Pro"/>
-              <a:cs typeface="Myriad Pro"/>
-            </a:endParaRPr>
+              <a:t>for metadata</a:t>
+            </a:r>
           </a:p>
         </p:txBody>
       </p:sp>
@@ -7637,6 +7708,3119 @@
             </p:seq>
           </p:childTnLst>
         </p:cTn>
+      </p:par>
+    </p:tnLst>
+  </p:timing>
+</p:sld>
+</file>
+
+<file path=ppt/slides/slide2.xml><?xml version="1.0" encoding="utf-8"?>
+<p:sld xmlns:a="http://schemas.openxmlformats.org/drawingml/2006/main" xmlns:r="http://schemas.openxmlformats.org/officeDocument/2006/relationships" xmlns:p="http://schemas.openxmlformats.org/presentationml/2006/main">
+  <p:cSld>
+    <p:spTree>
+      <p:nvGrpSpPr>
+        <p:cNvPr id="1" name=""/>
+        <p:cNvGrpSpPr/>
+        <p:nvPr/>
+      </p:nvGrpSpPr>
+      <p:grpSpPr>
+        <a:xfrm>
+          <a:off x="0" y="0"/>
+          <a:ext cx="0" cy="0"/>
+          <a:chOff x="0" y="0"/>
+          <a:chExt cx="0" cy="0"/>
+        </a:xfrm>
+      </p:grpSpPr>
+      <p:grpSp>
+        <p:nvGrpSpPr>
+          <p:cNvPr id="2" name="Group 99"/>
+          <p:cNvGrpSpPr/>
+          <p:nvPr/>
+        </p:nvGrpSpPr>
+        <p:grpSpPr>
+          <a:xfrm>
+            <a:off x="4025900" y="5524500"/>
+            <a:ext cx="2387600" cy="1168400"/>
+            <a:chOff x="4025900" y="4470400"/>
+            <a:chExt cx="2387600" cy="1168400"/>
+          </a:xfrm>
+        </p:grpSpPr>
+        <p:sp>
+          <p:nvSpPr>
+            <p:cNvPr id="27" name="Rounded Rectangle 26"/>
+            <p:cNvSpPr/>
+            <p:nvPr/>
+          </p:nvSpPr>
+          <p:spPr bwMode="auto">
+            <a:xfrm>
+              <a:off x="4025900" y="4470400"/>
+              <a:ext cx="2387600" cy="1168400"/>
+            </a:xfrm>
+            <a:prstGeom prst="roundRect">
+              <a:avLst/>
+            </a:prstGeom>
+            <a:solidFill>
+              <a:schemeClr val="bg1">
+                <a:lumMod val="75000"/>
+              </a:schemeClr>
+            </a:solidFill>
+            <a:ln w="19050" cap="flat" cmpd="sng" algn="ctr">
+              <a:solidFill>
+                <a:schemeClr val="bg1">
+                  <a:lumMod val="50000"/>
+                </a:schemeClr>
+              </a:solidFill>
+              <a:prstDash val="solid"/>
+              <a:round/>
+              <a:headEnd type="none" w="med" len="med"/>
+              <a:tailEnd type="none" w="med" len="med"/>
+            </a:ln>
+            <a:effectLst/>
+          </p:spPr>
+          <p:txBody>
+            <a:bodyPr vert="horz" wrap="square" lIns="91440" tIns="45720" rIns="91440" bIns="45720" numCol="1" rtlCol="0" anchor="b" anchorCtr="0" compatLnSpc="1">
+              <a:prstTxWarp prst="textNoShape">
+                <a:avLst/>
+              </a:prstTxWarp>
+            </a:bodyPr>
+            <a:lstStyle/>
+            <a:p>
+              <a:pPr marL="0" marR="0" indent="0" algn="ctr" defTabSz="914400" rtl="0" eaLnBrk="1" fontAlgn="base" latinLnBrk="0" hangingPunct="1">
+                <a:lnSpc>
+                  <a:spcPct val="100000"/>
+                </a:lnSpc>
+                <a:spcBef>
+                  <a:spcPct val="0"/>
+                </a:spcBef>
+                <a:spcAft>
+                  <a:spcPct val="0"/>
+                </a:spcAft>
+                <a:buClrTx/>
+                <a:buSzTx/>
+                <a:buFontTx/>
+                <a:buNone/>
+                <a:tabLst/>
+              </a:pPr>
+              <a:r>
+                <a:rPr lang="en-US" sz="2200" b="0" dirty="0" err="1" smtClean="0">
+                  <a:latin typeface="Myriad Pro Semibold"/>
+                  <a:cs typeface="Myriad Pro Semibold"/>
+                </a:rPr>
+                <a:t>ClusterFS</a:t>
+              </a:r>
+              <a:r>
+                <a:rPr lang="en-US" sz="2200" b="0" dirty="0" smtClean="0">
+                  <a:latin typeface="Myriad Pro Semibold"/>
+                  <a:cs typeface="Myriad Pro Semibold"/>
+                </a:rPr>
+                <a:t> </a:t>
+              </a:r>
+              <a:r>
+                <a:rPr lang="en-US" sz="2200" dirty="0" smtClean="0">
+                  <a:latin typeface="Myriad Pro Semibold"/>
+                  <a:cs typeface="Myriad Pro Semibold"/>
+                </a:rPr>
+                <a:t>setup</a:t>
+              </a:r>
+              <a:endParaRPr kumimoji="0" lang="en-US" sz="2200" b="0" u="none" strike="noStrike" cap="none" normalizeH="0" baseline="0" dirty="0">
+                <a:ln>
+                  <a:noFill/>
+                </a:ln>
+                <a:solidFill>
+                  <a:schemeClr val="tx1"/>
+                </a:solidFill>
+                <a:effectLst/>
+                <a:latin typeface="Myriad Pro Semibold"/>
+                <a:cs typeface="Myriad Pro Semibold"/>
+              </a:endParaRPr>
+            </a:p>
+          </p:txBody>
+        </p:sp>
+        <p:grpSp>
+          <p:nvGrpSpPr>
+            <p:cNvPr id="3" name="Group 14"/>
+            <p:cNvGrpSpPr/>
+            <p:nvPr/>
+          </p:nvGrpSpPr>
+          <p:grpSpPr>
+            <a:xfrm>
+              <a:off x="4152900" y="4635500"/>
+              <a:ext cx="952500" cy="520700"/>
+              <a:chOff x="3225800" y="5778500"/>
+              <a:chExt cx="952500" cy="520700"/>
+            </a:xfrm>
+            <a:solidFill>
+              <a:srgbClr val="FF6600"/>
+            </a:solidFill>
+          </p:grpSpPr>
+          <p:sp>
+            <p:nvSpPr>
+              <p:cNvPr id="9" name="Rectangle 8"/>
+              <p:cNvSpPr/>
+              <p:nvPr/>
+            </p:nvSpPr>
+            <p:spPr bwMode="auto">
+              <a:xfrm>
+                <a:off x="3225800" y="6070600"/>
+                <a:ext cx="254000" cy="228600"/>
+              </a:xfrm>
+              <a:prstGeom prst="rect">
+                <a:avLst/>
+              </a:prstGeom>
+              <a:solidFill>
+                <a:schemeClr val="tx1"/>
+              </a:solidFill>
+              <a:ln w="9525" cap="flat" cmpd="sng" algn="ctr">
+                <a:noFill/>
+                <a:prstDash val="solid"/>
+                <a:round/>
+                <a:headEnd type="none" w="med" len="med"/>
+                <a:tailEnd type="none" w="med" len="med"/>
+              </a:ln>
+              <a:effectLst/>
+            </p:spPr>
+            <p:txBody>
+              <a:bodyPr vert="horz" wrap="square" lIns="91440" tIns="45720" rIns="91440" bIns="45720" numCol="1" rtlCol="0" anchor="t" anchorCtr="0" compatLnSpc="1">
+                <a:prstTxWarp prst="textNoShape">
+                  <a:avLst/>
+                </a:prstTxWarp>
+              </a:bodyPr>
+              <a:lstStyle/>
+              <a:p>
+                <a:pPr marL="0" marR="0" indent="0" algn="l" defTabSz="914400" rtl="0" eaLnBrk="1" fontAlgn="base" latinLnBrk="0" hangingPunct="1">
+                  <a:lnSpc>
+                    <a:spcPct val="100000"/>
+                  </a:lnSpc>
+                  <a:spcBef>
+                    <a:spcPct val="0"/>
+                  </a:spcBef>
+                  <a:spcAft>
+                    <a:spcPct val="0"/>
+                  </a:spcAft>
+                  <a:buClrTx/>
+                  <a:buSzTx/>
+                  <a:buFontTx/>
+                  <a:buNone/>
+                  <a:tabLst/>
+                </a:pPr>
+                <a:endParaRPr kumimoji="0" lang="en-US" sz="3200" b="1" i="0" u="none" strike="noStrike" cap="none" normalizeH="0" baseline="0">
+                  <a:ln>
+                    <a:noFill/>
+                  </a:ln>
+                  <a:solidFill>
+                    <a:schemeClr val="tx1"/>
+                  </a:solidFill>
+                  <a:effectLst/>
+                  <a:latin typeface="Arial" pitchFamily="-108" charset="0"/>
+                </a:endParaRPr>
+              </a:p>
+            </p:txBody>
+          </p:sp>
+          <p:sp>
+            <p:nvSpPr>
+              <p:cNvPr id="10" name="Rectangle 9"/>
+              <p:cNvSpPr/>
+              <p:nvPr/>
+            </p:nvSpPr>
+            <p:spPr bwMode="auto">
+              <a:xfrm>
+                <a:off x="3581400" y="6070600"/>
+                <a:ext cx="254000" cy="228600"/>
+              </a:xfrm>
+              <a:prstGeom prst="rect">
+                <a:avLst/>
+              </a:prstGeom>
+              <a:solidFill>
+                <a:schemeClr val="tx1"/>
+              </a:solidFill>
+              <a:ln w="9525" cap="flat" cmpd="sng" algn="ctr">
+                <a:noFill/>
+                <a:prstDash val="solid"/>
+                <a:round/>
+                <a:headEnd type="none" w="med" len="med"/>
+                <a:tailEnd type="none" w="med" len="med"/>
+              </a:ln>
+              <a:effectLst/>
+            </p:spPr>
+            <p:txBody>
+              <a:bodyPr vert="horz" wrap="square" lIns="91440" tIns="45720" rIns="91440" bIns="45720" numCol="1" rtlCol="0" anchor="t" anchorCtr="0" compatLnSpc="1">
+                <a:prstTxWarp prst="textNoShape">
+                  <a:avLst/>
+                </a:prstTxWarp>
+              </a:bodyPr>
+              <a:lstStyle/>
+              <a:p>
+                <a:pPr marL="0" marR="0" indent="0" algn="l" defTabSz="914400" rtl="0" eaLnBrk="1" fontAlgn="base" latinLnBrk="0" hangingPunct="1">
+                  <a:lnSpc>
+                    <a:spcPct val="100000"/>
+                  </a:lnSpc>
+                  <a:spcBef>
+                    <a:spcPct val="0"/>
+                  </a:spcBef>
+                  <a:spcAft>
+                    <a:spcPct val="0"/>
+                  </a:spcAft>
+                  <a:buClrTx/>
+                  <a:buSzTx/>
+                  <a:buFontTx/>
+                  <a:buNone/>
+                  <a:tabLst/>
+                </a:pPr>
+                <a:endParaRPr kumimoji="0" lang="en-US" sz="3200" b="1" i="0" u="none" strike="noStrike" cap="none" normalizeH="0" baseline="0">
+                  <a:ln>
+                    <a:noFill/>
+                  </a:ln>
+                  <a:solidFill>
+                    <a:schemeClr val="tx1"/>
+                  </a:solidFill>
+                  <a:effectLst/>
+                  <a:latin typeface="Arial" pitchFamily="-108" charset="0"/>
+                </a:endParaRPr>
+              </a:p>
+            </p:txBody>
+          </p:sp>
+          <p:sp>
+            <p:nvSpPr>
+              <p:cNvPr id="11" name="Rectangle 10"/>
+              <p:cNvSpPr/>
+              <p:nvPr/>
+            </p:nvSpPr>
+            <p:spPr bwMode="auto">
+              <a:xfrm>
+                <a:off x="3924300" y="6070600"/>
+                <a:ext cx="254000" cy="228600"/>
+              </a:xfrm>
+              <a:prstGeom prst="rect">
+                <a:avLst/>
+              </a:prstGeom>
+              <a:solidFill>
+                <a:schemeClr val="tx1"/>
+              </a:solidFill>
+              <a:ln w="9525" cap="flat" cmpd="sng" algn="ctr">
+                <a:noFill/>
+                <a:prstDash val="solid"/>
+                <a:round/>
+                <a:headEnd type="none" w="med" len="med"/>
+                <a:tailEnd type="none" w="med" len="med"/>
+              </a:ln>
+              <a:effectLst/>
+            </p:spPr>
+            <p:txBody>
+              <a:bodyPr vert="horz" wrap="square" lIns="91440" tIns="45720" rIns="91440" bIns="45720" numCol="1" rtlCol="0" anchor="t" anchorCtr="0" compatLnSpc="1">
+                <a:prstTxWarp prst="textNoShape">
+                  <a:avLst/>
+                </a:prstTxWarp>
+              </a:bodyPr>
+              <a:lstStyle/>
+              <a:p>
+                <a:pPr marL="0" marR="0" indent="0" algn="l" defTabSz="914400" rtl="0" eaLnBrk="1" fontAlgn="base" latinLnBrk="0" hangingPunct="1">
+                  <a:lnSpc>
+                    <a:spcPct val="100000"/>
+                  </a:lnSpc>
+                  <a:spcBef>
+                    <a:spcPct val="0"/>
+                  </a:spcBef>
+                  <a:spcAft>
+                    <a:spcPct val="0"/>
+                  </a:spcAft>
+                  <a:buClrTx/>
+                  <a:buSzTx/>
+                  <a:buFontTx/>
+                  <a:buNone/>
+                  <a:tabLst/>
+                </a:pPr>
+                <a:endParaRPr kumimoji="0" lang="en-US" sz="3200" b="1" i="0" u="none" strike="noStrike" cap="none" normalizeH="0" baseline="0">
+                  <a:ln>
+                    <a:noFill/>
+                  </a:ln>
+                  <a:solidFill>
+                    <a:schemeClr val="tx1"/>
+                  </a:solidFill>
+                  <a:effectLst/>
+                  <a:latin typeface="Arial" pitchFamily="-108" charset="0"/>
+                </a:endParaRPr>
+              </a:p>
+            </p:txBody>
+          </p:sp>
+          <p:sp>
+            <p:nvSpPr>
+              <p:cNvPr id="12" name="Rectangle 11"/>
+              <p:cNvSpPr/>
+              <p:nvPr/>
+            </p:nvSpPr>
+            <p:spPr bwMode="auto">
+              <a:xfrm>
+                <a:off x="3225800" y="5778500"/>
+                <a:ext cx="254000" cy="228600"/>
+              </a:xfrm>
+              <a:prstGeom prst="rect">
+                <a:avLst/>
+              </a:prstGeom>
+              <a:solidFill>
+                <a:schemeClr val="tx1"/>
+              </a:solidFill>
+              <a:ln w="9525" cap="flat" cmpd="sng" algn="ctr">
+                <a:noFill/>
+                <a:prstDash val="solid"/>
+                <a:round/>
+                <a:headEnd type="none" w="med" len="med"/>
+                <a:tailEnd type="none" w="med" len="med"/>
+              </a:ln>
+              <a:effectLst/>
+            </p:spPr>
+            <p:txBody>
+              <a:bodyPr vert="horz" wrap="square" lIns="91440" tIns="45720" rIns="91440" bIns="45720" numCol="1" rtlCol="0" anchor="t" anchorCtr="0" compatLnSpc="1">
+                <a:prstTxWarp prst="textNoShape">
+                  <a:avLst/>
+                </a:prstTxWarp>
+              </a:bodyPr>
+              <a:lstStyle/>
+              <a:p>
+                <a:pPr marL="0" marR="0" indent="0" algn="l" defTabSz="914400" rtl="0" eaLnBrk="1" fontAlgn="base" latinLnBrk="0" hangingPunct="1">
+                  <a:lnSpc>
+                    <a:spcPct val="100000"/>
+                  </a:lnSpc>
+                  <a:spcBef>
+                    <a:spcPct val="0"/>
+                  </a:spcBef>
+                  <a:spcAft>
+                    <a:spcPct val="0"/>
+                  </a:spcAft>
+                  <a:buClrTx/>
+                  <a:buSzTx/>
+                  <a:buFontTx/>
+                  <a:buNone/>
+                  <a:tabLst/>
+                </a:pPr>
+                <a:endParaRPr kumimoji="0" lang="en-US" sz="3200" b="1" i="0" u="none" strike="noStrike" cap="none" normalizeH="0" baseline="0">
+                  <a:ln>
+                    <a:noFill/>
+                  </a:ln>
+                  <a:solidFill>
+                    <a:schemeClr val="tx1"/>
+                  </a:solidFill>
+                  <a:effectLst/>
+                  <a:latin typeface="Arial" pitchFamily="-108" charset="0"/>
+                </a:endParaRPr>
+              </a:p>
+            </p:txBody>
+          </p:sp>
+          <p:sp>
+            <p:nvSpPr>
+              <p:cNvPr id="13" name="Rectangle 12"/>
+              <p:cNvSpPr/>
+              <p:nvPr/>
+            </p:nvSpPr>
+            <p:spPr bwMode="auto">
+              <a:xfrm>
+                <a:off x="3581400" y="5778500"/>
+                <a:ext cx="254000" cy="228600"/>
+              </a:xfrm>
+              <a:prstGeom prst="rect">
+                <a:avLst/>
+              </a:prstGeom>
+              <a:solidFill>
+                <a:schemeClr val="tx1"/>
+              </a:solidFill>
+              <a:ln w="9525" cap="flat" cmpd="sng" algn="ctr">
+                <a:noFill/>
+                <a:prstDash val="solid"/>
+                <a:round/>
+                <a:headEnd type="none" w="med" len="med"/>
+                <a:tailEnd type="none" w="med" len="med"/>
+              </a:ln>
+              <a:effectLst/>
+            </p:spPr>
+            <p:txBody>
+              <a:bodyPr vert="horz" wrap="square" lIns="91440" tIns="45720" rIns="91440" bIns="45720" numCol="1" rtlCol="0" anchor="t" anchorCtr="0" compatLnSpc="1">
+                <a:prstTxWarp prst="textNoShape">
+                  <a:avLst/>
+                </a:prstTxWarp>
+              </a:bodyPr>
+              <a:lstStyle/>
+              <a:p>
+                <a:pPr marL="0" marR="0" indent="0" algn="l" defTabSz="914400" rtl="0" eaLnBrk="1" fontAlgn="base" latinLnBrk="0" hangingPunct="1">
+                  <a:lnSpc>
+                    <a:spcPct val="100000"/>
+                  </a:lnSpc>
+                  <a:spcBef>
+                    <a:spcPct val="0"/>
+                  </a:spcBef>
+                  <a:spcAft>
+                    <a:spcPct val="0"/>
+                  </a:spcAft>
+                  <a:buClrTx/>
+                  <a:buSzTx/>
+                  <a:buFontTx/>
+                  <a:buNone/>
+                  <a:tabLst/>
+                </a:pPr>
+                <a:endParaRPr kumimoji="0" lang="en-US" sz="3200" b="1" i="0" u="none" strike="noStrike" cap="none" normalizeH="0" baseline="0">
+                  <a:ln>
+                    <a:noFill/>
+                  </a:ln>
+                  <a:solidFill>
+                    <a:schemeClr val="tx1"/>
+                  </a:solidFill>
+                  <a:effectLst/>
+                  <a:latin typeface="Arial" pitchFamily="-108" charset="0"/>
+                </a:endParaRPr>
+              </a:p>
+            </p:txBody>
+          </p:sp>
+          <p:sp>
+            <p:nvSpPr>
+              <p:cNvPr id="14" name="Rectangle 13"/>
+              <p:cNvSpPr/>
+              <p:nvPr/>
+            </p:nvSpPr>
+            <p:spPr bwMode="auto">
+              <a:xfrm>
+                <a:off x="3924300" y="5778500"/>
+                <a:ext cx="254000" cy="228600"/>
+              </a:xfrm>
+              <a:prstGeom prst="rect">
+                <a:avLst/>
+              </a:prstGeom>
+              <a:solidFill>
+                <a:schemeClr val="tx1"/>
+              </a:solidFill>
+              <a:ln w="9525" cap="flat" cmpd="sng" algn="ctr">
+                <a:noFill/>
+                <a:prstDash val="solid"/>
+                <a:round/>
+                <a:headEnd type="none" w="med" len="med"/>
+                <a:tailEnd type="none" w="med" len="med"/>
+              </a:ln>
+              <a:effectLst/>
+            </p:spPr>
+            <p:txBody>
+              <a:bodyPr vert="horz" wrap="square" lIns="91440" tIns="45720" rIns="91440" bIns="45720" numCol="1" rtlCol="0" anchor="t" anchorCtr="0" compatLnSpc="1">
+                <a:prstTxWarp prst="textNoShape">
+                  <a:avLst/>
+                </a:prstTxWarp>
+              </a:bodyPr>
+              <a:lstStyle/>
+              <a:p>
+                <a:pPr marL="0" marR="0" indent="0" algn="l" defTabSz="914400" rtl="0" eaLnBrk="1" fontAlgn="base" latinLnBrk="0" hangingPunct="1">
+                  <a:lnSpc>
+                    <a:spcPct val="100000"/>
+                  </a:lnSpc>
+                  <a:spcBef>
+                    <a:spcPct val="0"/>
+                  </a:spcBef>
+                  <a:spcAft>
+                    <a:spcPct val="0"/>
+                  </a:spcAft>
+                  <a:buClrTx/>
+                  <a:buSzTx/>
+                  <a:buFontTx/>
+                  <a:buNone/>
+                  <a:tabLst/>
+                </a:pPr>
+                <a:endParaRPr kumimoji="0" lang="en-US" sz="3200" b="1" i="0" u="none" strike="noStrike" cap="none" normalizeH="0" baseline="0">
+                  <a:ln>
+                    <a:noFill/>
+                  </a:ln>
+                  <a:solidFill>
+                    <a:schemeClr val="tx1"/>
+                  </a:solidFill>
+                  <a:effectLst/>
+                  <a:latin typeface="Arial" pitchFamily="-108" charset="0"/>
+                </a:endParaRPr>
+              </a:p>
+            </p:txBody>
+          </p:sp>
+        </p:grpSp>
+        <p:grpSp>
+          <p:nvGrpSpPr>
+            <p:cNvPr id="4" name="Group 14"/>
+            <p:cNvGrpSpPr/>
+            <p:nvPr/>
+          </p:nvGrpSpPr>
+          <p:grpSpPr>
+            <a:xfrm>
+              <a:off x="5702300" y="4635500"/>
+              <a:ext cx="596900" cy="520700"/>
+              <a:chOff x="3581400" y="5778500"/>
+              <a:chExt cx="596900" cy="520700"/>
+            </a:xfrm>
+            <a:solidFill>
+              <a:srgbClr val="FF6600"/>
+            </a:solidFill>
+          </p:grpSpPr>
+          <p:sp>
+            <p:nvSpPr>
+              <p:cNvPr id="63" name="Rectangle 62"/>
+              <p:cNvSpPr/>
+              <p:nvPr/>
+            </p:nvSpPr>
+            <p:spPr bwMode="auto">
+              <a:xfrm>
+                <a:off x="3581400" y="6070600"/>
+                <a:ext cx="254000" cy="228600"/>
+              </a:xfrm>
+              <a:prstGeom prst="rect">
+                <a:avLst/>
+              </a:prstGeom>
+              <a:solidFill>
+                <a:schemeClr val="tx1"/>
+              </a:solidFill>
+              <a:ln w="9525" cap="flat" cmpd="sng" algn="ctr">
+                <a:noFill/>
+                <a:prstDash val="solid"/>
+                <a:round/>
+                <a:headEnd type="none" w="med" len="med"/>
+                <a:tailEnd type="none" w="med" len="med"/>
+              </a:ln>
+              <a:effectLst/>
+            </p:spPr>
+            <p:txBody>
+              <a:bodyPr vert="horz" wrap="square" lIns="91440" tIns="45720" rIns="91440" bIns="45720" numCol="1" rtlCol="0" anchor="t" anchorCtr="0" compatLnSpc="1">
+                <a:prstTxWarp prst="textNoShape">
+                  <a:avLst/>
+                </a:prstTxWarp>
+              </a:bodyPr>
+              <a:lstStyle/>
+              <a:p>
+                <a:pPr marL="0" marR="0" indent="0" algn="l" defTabSz="914400" rtl="0" eaLnBrk="1" fontAlgn="base" latinLnBrk="0" hangingPunct="1">
+                  <a:lnSpc>
+                    <a:spcPct val="100000"/>
+                  </a:lnSpc>
+                  <a:spcBef>
+                    <a:spcPct val="0"/>
+                  </a:spcBef>
+                  <a:spcAft>
+                    <a:spcPct val="0"/>
+                  </a:spcAft>
+                  <a:buClrTx/>
+                  <a:buSzTx/>
+                  <a:buFontTx/>
+                  <a:buNone/>
+                  <a:tabLst/>
+                </a:pPr>
+                <a:endParaRPr kumimoji="0" lang="en-US" sz="3200" b="1" i="0" u="none" strike="noStrike" cap="none" normalizeH="0" baseline="0">
+                  <a:ln>
+                    <a:noFill/>
+                  </a:ln>
+                  <a:solidFill>
+                    <a:schemeClr val="tx1"/>
+                  </a:solidFill>
+                  <a:effectLst/>
+                  <a:latin typeface="Arial" pitchFamily="-108" charset="0"/>
+                </a:endParaRPr>
+              </a:p>
+            </p:txBody>
+          </p:sp>
+          <p:sp>
+            <p:nvSpPr>
+              <p:cNvPr id="64" name="Rectangle 63"/>
+              <p:cNvSpPr/>
+              <p:nvPr/>
+            </p:nvSpPr>
+            <p:spPr bwMode="auto">
+              <a:xfrm>
+                <a:off x="3924300" y="6070600"/>
+                <a:ext cx="254000" cy="228600"/>
+              </a:xfrm>
+              <a:prstGeom prst="rect">
+                <a:avLst/>
+              </a:prstGeom>
+              <a:solidFill>
+                <a:schemeClr val="tx1"/>
+              </a:solidFill>
+              <a:ln w="9525" cap="flat" cmpd="sng" algn="ctr">
+                <a:noFill/>
+                <a:prstDash val="solid"/>
+                <a:round/>
+                <a:headEnd type="none" w="med" len="med"/>
+                <a:tailEnd type="none" w="med" len="med"/>
+              </a:ln>
+              <a:effectLst/>
+            </p:spPr>
+            <p:txBody>
+              <a:bodyPr vert="horz" wrap="square" lIns="91440" tIns="45720" rIns="91440" bIns="45720" numCol="1" rtlCol="0" anchor="t" anchorCtr="0" compatLnSpc="1">
+                <a:prstTxWarp prst="textNoShape">
+                  <a:avLst/>
+                </a:prstTxWarp>
+              </a:bodyPr>
+              <a:lstStyle/>
+              <a:p>
+                <a:pPr marL="0" marR="0" indent="0" algn="l" defTabSz="914400" rtl="0" eaLnBrk="1" fontAlgn="base" latinLnBrk="0" hangingPunct="1">
+                  <a:lnSpc>
+                    <a:spcPct val="100000"/>
+                  </a:lnSpc>
+                  <a:spcBef>
+                    <a:spcPct val="0"/>
+                  </a:spcBef>
+                  <a:spcAft>
+                    <a:spcPct val="0"/>
+                  </a:spcAft>
+                  <a:buClrTx/>
+                  <a:buSzTx/>
+                  <a:buFontTx/>
+                  <a:buNone/>
+                  <a:tabLst/>
+                </a:pPr>
+                <a:endParaRPr kumimoji="0" lang="en-US" sz="3200" b="1" i="0" u="none" strike="noStrike" cap="none" normalizeH="0" baseline="0">
+                  <a:ln>
+                    <a:noFill/>
+                  </a:ln>
+                  <a:solidFill>
+                    <a:schemeClr val="tx1"/>
+                  </a:solidFill>
+                  <a:effectLst/>
+                  <a:latin typeface="Arial" pitchFamily="-108" charset="0"/>
+                </a:endParaRPr>
+              </a:p>
+            </p:txBody>
+          </p:sp>
+          <p:sp>
+            <p:nvSpPr>
+              <p:cNvPr id="67" name="Rectangle 66"/>
+              <p:cNvSpPr/>
+              <p:nvPr/>
+            </p:nvSpPr>
+            <p:spPr bwMode="auto">
+              <a:xfrm>
+                <a:off x="3581400" y="5778500"/>
+                <a:ext cx="254000" cy="228600"/>
+              </a:xfrm>
+              <a:prstGeom prst="rect">
+                <a:avLst/>
+              </a:prstGeom>
+              <a:solidFill>
+                <a:schemeClr val="tx1"/>
+              </a:solidFill>
+              <a:ln w="9525" cap="flat" cmpd="sng" algn="ctr">
+                <a:noFill/>
+                <a:prstDash val="solid"/>
+                <a:round/>
+                <a:headEnd type="none" w="med" len="med"/>
+                <a:tailEnd type="none" w="med" len="med"/>
+              </a:ln>
+              <a:effectLst/>
+            </p:spPr>
+            <p:txBody>
+              <a:bodyPr vert="horz" wrap="square" lIns="91440" tIns="45720" rIns="91440" bIns="45720" numCol="1" rtlCol="0" anchor="t" anchorCtr="0" compatLnSpc="1">
+                <a:prstTxWarp prst="textNoShape">
+                  <a:avLst/>
+                </a:prstTxWarp>
+              </a:bodyPr>
+              <a:lstStyle/>
+              <a:p>
+                <a:pPr marL="0" marR="0" indent="0" algn="l" defTabSz="914400" rtl="0" eaLnBrk="1" fontAlgn="base" latinLnBrk="0" hangingPunct="1">
+                  <a:lnSpc>
+                    <a:spcPct val="100000"/>
+                  </a:lnSpc>
+                  <a:spcBef>
+                    <a:spcPct val="0"/>
+                  </a:spcBef>
+                  <a:spcAft>
+                    <a:spcPct val="0"/>
+                  </a:spcAft>
+                  <a:buClrTx/>
+                  <a:buSzTx/>
+                  <a:buFontTx/>
+                  <a:buNone/>
+                  <a:tabLst/>
+                </a:pPr>
+                <a:endParaRPr kumimoji="0" lang="en-US" sz="3200" b="1" i="0" u="none" strike="noStrike" cap="none" normalizeH="0" baseline="0">
+                  <a:ln>
+                    <a:noFill/>
+                  </a:ln>
+                  <a:solidFill>
+                    <a:schemeClr val="tx1"/>
+                  </a:solidFill>
+                  <a:effectLst/>
+                  <a:latin typeface="Arial" pitchFamily="-108" charset="0"/>
+                </a:endParaRPr>
+              </a:p>
+            </p:txBody>
+          </p:sp>
+          <p:sp>
+            <p:nvSpPr>
+              <p:cNvPr id="68" name="Rectangle 67"/>
+              <p:cNvSpPr/>
+              <p:nvPr/>
+            </p:nvSpPr>
+            <p:spPr bwMode="auto">
+              <a:xfrm>
+                <a:off x="3924300" y="5778500"/>
+                <a:ext cx="254000" cy="228600"/>
+              </a:xfrm>
+              <a:prstGeom prst="rect">
+                <a:avLst/>
+              </a:prstGeom>
+              <a:solidFill>
+                <a:schemeClr val="tx1"/>
+              </a:solidFill>
+              <a:ln w="9525" cap="flat" cmpd="sng" algn="ctr">
+                <a:noFill/>
+                <a:prstDash val="solid"/>
+                <a:round/>
+                <a:headEnd type="none" w="med" len="med"/>
+                <a:tailEnd type="none" w="med" len="med"/>
+              </a:ln>
+              <a:effectLst/>
+            </p:spPr>
+            <p:txBody>
+              <a:bodyPr vert="horz" wrap="square" lIns="91440" tIns="45720" rIns="91440" bIns="45720" numCol="1" rtlCol="0" anchor="t" anchorCtr="0" compatLnSpc="1">
+                <a:prstTxWarp prst="textNoShape">
+                  <a:avLst/>
+                </a:prstTxWarp>
+              </a:bodyPr>
+              <a:lstStyle/>
+              <a:p>
+                <a:pPr marL="0" marR="0" indent="0" algn="l" defTabSz="914400" rtl="0" eaLnBrk="1" fontAlgn="base" latinLnBrk="0" hangingPunct="1">
+                  <a:lnSpc>
+                    <a:spcPct val="100000"/>
+                  </a:lnSpc>
+                  <a:spcBef>
+                    <a:spcPct val="0"/>
+                  </a:spcBef>
+                  <a:spcAft>
+                    <a:spcPct val="0"/>
+                  </a:spcAft>
+                  <a:buClrTx/>
+                  <a:buSzTx/>
+                  <a:buFontTx/>
+                  <a:buNone/>
+                  <a:tabLst/>
+                </a:pPr>
+                <a:endParaRPr kumimoji="0" lang="en-US" sz="3200" b="1" i="0" u="none" strike="noStrike" cap="none" normalizeH="0" baseline="0">
+                  <a:ln>
+                    <a:noFill/>
+                  </a:ln>
+                  <a:solidFill>
+                    <a:schemeClr val="tx1"/>
+                  </a:solidFill>
+                  <a:effectLst/>
+                  <a:latin typeface="Arial" pitchFamily="-108" charset="0"/>
+                </a:endParaRPr>
+              </a:p>
+            </p:txBody>
+          </p:sp>
+        </p:grpSp>
+      </p:grpSp>
+      <p:sp>
+        <p:nvSpPr>
+          <p:cNvPr id="35" name="Rounded Rectangle 34"/>
+          <p:cNvSpPr/>
+          <p:nvPr/>
+        </p:nvSpPr>
+        <p:spPr>
+          <a:xfrm>
+            <a:off x="524722" y="2070101"/>
+            <a:ext cx="2878878" cy="2692400"/>
+          </a:xfrm>
+          <a:prstGeom prst="roundRect">
+            <a:avLst/>
+          </a:prstGeom>
+          <a:solidFill>
+            <a:schemeClr val="accent3">
+              <a:lumMod val="40000"/>
+              <a:lumOff val="60000"/>
+            </a:schemeClr>
+          </a:solidFill>
+          <a:ln w="25400" cap="flat" cmpd="sng" algn="ctr">
+            <a:solidFill>
+              <a:srgbClr val="008000"/>
+            </a:solidFill>
+            <a:prstDash val="solid"/>
+            <a:round/>
+            <a:headEnd type="none" w="med" len="med"/>
+            <a:tailEnd type="none" w="med" len="med"/>
+          </a:ln>
+          <a:effectLst/>
+        </p:spPr>
+        <p:style>
+          <a:lnRef idx="1">
+            <a:schemeClr val="accent1"/>
+          </a:lnRef>
+          <a:fillRef idx="3">
+            <a:schemeClr val="accent1"/>
+          </a:fillRef>
+          <a:effectRef idx="2">
+            <a:schemeClr val="accent1"/>
+          </a:effectRef>
+          <a:fontRef idx="minor">
+            <a:schemeClr val="lt1"/>
+          </a:fontRef>
+        </p:style>
+        <p:txBody>
+          <a:bodyPr rtlCol="0" anchor="ctr"/>
+          <a:lstStyle/>
+          <a:p>
+            <a:pPr algn="ctr"/>
+            <a:endParaRPr lang="en-US"/>
+          </a:p>
+        </p:txBody>
+      </p:sp>
+      <p:sp>
+        <p:nvSpPr>
+          <p:cNvPr id="29" name="Rectangle 28"/>
+          <p:cNvSpPr/>
+          <p:nvPr/>
+        </p:nvSpPr>
+        <p:spPr>
+          <a:xfrm>
+            <a:off x="1817688" y="2191147"/>
+            <a:ext cx="1395412" cy="951706"/>
+          </a:xfrm>
+          <a:prstGeom prst="rect">
+            <a:avLst/>
+          </a:prstGeom>
+          <a:solidFill>
+            <a:schemeClr val="bg1"/>
+          </a:solidFill>
+          <a:ln w="22225" cap="flat" cmpd="sng" algn="ctr">
+            <a:solidFill>
+              <a:srgbClr val="7F7F7F"/>
+            </a:solidFill>
+            <a:prstDash val="solid"/>
+            <a:round/>
+            <a:headEnd type="none" w="med" len="med"/>
+            <a:tailEnd type="none" w="med" len="med"/>
+          </a:ln>
+          <a:effectLst/>
+        </p:spPr>
+        <p:style>
+          <a:lnRef idx="1">
+            <a:schemeClr val="accent1"/>
+          </a:lnRef>
+          <a:fillRef idx="3">
+            <a:schemeClr val="accent1"/>
+          </a:fillRef>
+          <a:effectRef idx="2">
+            <a:schemeClr val="accent1"/>
+          </a:effectRef>
+          <a:fontRef idx="minor">
+            <a:schemeClr val="lt1"/>
+          </a:fontRef>
+        </p:style>
+        <p:txBody>
+          <a:bodyPr rtlCol="0" anchor="ctr"/>
+          <a:lstStyle/>
+          <a:p>
+            <a:pPr algn="ctr"/>
+            <a:r>
+              <a:rPr lang="en-US" sz="2200" b="0" dirty="0" smtClean="0">
+                <a:solidFill>
+                  <a:schemeClr val="tx1"/>
+                </a:solidFill>
+                <a:latin typeface="Myriad Pro"/>
+                <a:cs typeface="Myriad Pro"/>
+              </a:rPr>
+              <a:t>Metadata</a:t>
+            </a:r>
+          </a:p>
+          <a:p>
+            <a:pPr algn="ctr"/>
+            <a:r>
+              <a:rPr lang="en-US" sz="2200" dirty="0">
+                <a:solidFill>
+                  <a:schemeClr val="tx1"/>
+                </a:solidFill>
+                <a:latin typeface="Myriad Pro"/>
+                <a:cs typeface="Myriad Pro"/>
+              </a:rPr>
+              <a:t>i</a:t>
+            </a:r>
+            <a:r>
+              <a:rPr lang="en-US" sz="2200" b="0" dirty="0" smtClean="0">
+                <a:solidFill>
+                  <a:schemeClr val="tx1"/>
+                </a:solidFill>
+                <a:latin typeface="Myriad Pro"/>
+                <a:cs typeface="Myriad Pro"/>
+              </a:rPr>
+              <a:t>ndexing</a:t>
+            </a:r>
+            <a:endParaRPr lang="en-US" sz="2200" b="0" dirty="0" smtClean="0">
+              <a:solidFill>
+                <a:schemeClr val="tx1"/>
+              </a:solidFill>
+              <a:latin typeface="Myriad Pro"/>
+              <a:cs typeface="Myriad Pro"/>
+            </a:endParaRPr>
+          </a:p>
+          <a:p>
+            <a:pPr algn="ctr"/>
+            <a:r>
+              <a:rPr lang="en-US" sz="2200" b="0" dirty="0" smtClean="0">
+                <a:solidFill>
+                  <a:schemeClr val="tx1"/>
+                </a:solidFill>
+                <a:latin typeface="Myriad Pro"/>
+                <a:cs typeface="Myriad Pro"/>
+              </a:rPr>
+              <a:t>client</a:t>
+            </a:r>
+            <a:endParaRPr lang="en-US" sz="2200" b="0" dirty="0">
+              <a:solidFill>
+                <a:schemeClr val="tx1"/>
+              </a:solidFill>
+              <a:latin typeface="Myriad Pro"/>
+              <a:cs typeface="Myriad Pro"/>
+            </a:endParaRPr>
+          </a:p>
+        </p:txBody>
+      </p:sp>
+      <p:grpSp>
+        <p:nvGrpSpPr>
+          <p:cNvPr id="5" name="Group 29"/>
+          <p:cNvGrpSpPr/>
+          <p:nvPr/>
+        </p:nvGrpSpPr>
+        <p:grpSpPr>
+          <a:xfrm>
+            <a:off x="627061" y="2889647"/>
+            <a:ext cx="1112839" cy="831453"/>
+            <a:chOff x="474661" y="997347"/>
+            <a:chExt cx="1563498" cy="1066403"/>
+          </a:xfrm>
+          <a:solidFill>
+            <a:schemeClr val="bg1">
+              <a:lumMod val="85000"/>
+            </a:schemeClr>
+          </a:solidFill>
+        </p:grpSpPr>
+        <p:sp>
+          <p:nvSpPr>
+            <p:cNvPr id="31" name="Rectangle 30"/>
+            <p:cNvSpPr/>
+            <p:nvPr/>
+          </p:nvSpPr>
+          <p:spPr>
+            <a:xfrm>
+              <a:off x="474661" y="1124347"/>
+              <a:ext cx="1436498" cy="939403"/>
+            </a:xfrm>
+            <a:prstGeom prst="rect">
+              <a:avLst/>
+            </a:prstGeom>
+            <a:grpFill/>
+            <a:ln w="22225" cap="flat" cmpd="sng" algn="ctr">
+              <a:solidFill>
+                <a:srgbClr val="7F7F7F"/>
+              </a:solidFill>
+              <a:prstDash val="solid"/>
+              <a:round/>
+              <a:headEnd type="none" w="med" len="med"/>
+              <a:tailEnd type="none" w="med" len="med"/>
+            </a:ln>
+            <a:effectLst/>
+          </p:spPr>
+          <p:style>
+            <a:lnRef idx="1">
+              <a:schemeClr val="accent1"/>
+            </a:lnRef>
+            <a:fillRef idx="3">
+              <a:schemeClr val="accent1"/>
+            </a:fillRef>
+            <a:effectRef idx="2">
+              <a:schemeClr val="accent1"/>
+            </a:effectRef>
+            <a:fontRef idx="minor">
+              <a:schemeClr val="lt1"/>
+            </a:fontRef>
+          </p:style>
+          <p:txBody>
+            <a:bodyPr rtlCol="0" anchor="ctr"/>
+            <a:lstStyle/>
+            <a:p>
+              <a:pPr algn="ctr"/>
+              <a:endParaRPr lang="en-US" sz="2000" b="1" dirty="0">
+                <a:solidFill>
+                  <a:schemeClr val="tx1"/>
+                </a:solidFill>
+                <a:latin typeface="Corbel"/>
+                <a:cs typeface="Corbel"/>
+              </a:endParaRPr>
+            </a:p>
+          </p:txBody>
+        </p:sp>
+        <p:sp>
+          <p:nvSpPr>
+            <p:cNvPr id="32" name="Rectangle 31"/>
+            <p:cNvSpPr/>
+            <p:nvPr/>
+          </p:nvSpPr>
+          <p:spPr>
+            <a:xfrm>
+              <a:off x="538161" y="1060847"/>
+              <a:ext cx="1436498" cy="939403"/>
+            </a:xfrm>
+            <a:prstGeom prst="rect">
+              <a:avLst/>
+            </a:prstGeom>
+            <a:grpFill/>
+            <a:ln w="19050" cap="flat" cmpd="sng" algn="ctr">
+              <a:solidFill>
+                <a:srgbClr val="7F7F7F"/>
+              </a:solidFill>
+              <a:prstDash val="solid"/>
+              <a:round/>
+              <a:headEnd type="none" w="med" len="med"/>
+              <a:tailEnd type="none" w="med" len="med"/>
+            </a:ln>
+            <a:effectLst/>
+          </p:spPr>
+          <p:style>
+            <a:lnRef idx="1">
+              <a:schemeClr val="accent1"/>
+            </a:lnRef>
+            <a:fillRef idx="3">
+              <a:schemeClr val="accent1"/>
+            </a:fillRef>
+            <a:effectRef idx="2">
+              <a:schemeClr val="accent1"/>
+            </a:effectRef>
+            <a:fontRef idx="minor">
+              <a:schemeClr val="lt1"/>
+            </a:fontRef>
+          </p:style>
+          <p:txBody>
+            <a:bodyPr rtlCol="0" anchor="ctr"/>
+            <a:lstStyle/>
+            <a:p>
+              <a:pPr algn="ctr"/>
+              <a:endParaRPr lang="en-US" sz="2000" b="1" dirty="0">
+                <a:solidFill>
+                  <a:schemeClr val="tx1"/>
+                </a:solidFill>
+                <a:latin typeface="Corbel"/>
+                <a:cs typeface="Corbel"/>
+              </a:endParaRPr>
+            </a:p>
+          </p:txBody>
+        </p:sp>
+        <p:sp>
+          <p:nvSpPr>
+            <p:cNvPr id="33" name="Rectangle 32"/>
+            <p:cNvSpPr/>
+            <p:nvPr/>
+          </p:nvSpPr>
+          <p:spPr>
+            <a:xfrm>
+              <a:off x="601661" y="997347"/>
+              <a:ext cx="1436498" cy="939403"/>
+            </a:xfrm>
+            <a:prstGeom prst="rect">
+              <a:avLst/>
+            </a:prstGeom>
+            <a:grpFill/>
+            <a:ln w="19050" cap="flat" cmpd="sng" algn="ctr">
+              <a:solidFill>
+                <a:srgbClr val="7F7F7F"/>
+              </a:solidFill>
+              <a:prstDash val="solid"/>
+              <a:round/>
+              <a:headEnd type="none" w="med" len="med"/>
+              <a:tailEnd type="none" w="med" len="med"/>
+            </a:ln>
+            <a:effectLst/>
+          </p:spPr>
+          <p:style>
+            <a:lnRef idx="1">
+              <a:schemeClr val="accent1"/>
+            </a:lnRef>
+            <a:fillRef idx="3">
+              <a:schemeClr val="accent1"/>
+            </a:fillRef>
+            <a:effectRef idx="2">
+              <a:schemeClr val="accent1"/>
+            </a:effectRef>
+            <a:fontRef idx="minor">
+              <a:schemeClr val="lt1"/>
+            </a:fontRef>
+          </p:style>
+          <p:txBody>
+            <a:bodyPr rtlCol="0" anchor="ctr"/>
+            <a:lstStyle/>
+            <a:p>
+              <a:pPr algn="ctr"/>
+              <a:r>
+                <a:rPr lang="en-US" sz="2800" b="0" dirty="0" smtClean="0">
+                  <a:solidFill>
+                    <a:schemeClr val="tx1"/>
+                  </a:solidFill>
+                  <a:latin typeface="Myriad Pro"/>
+                  <a:cs typeface="Myriad Pro"/>
+                </a:rPr>
+                <a:t>Apps</a:t>
+              </a:r>
+              <a:endParaRPr lang="en-US" sz="2400" b="0" dirty="0">
+                <a:solidFill>
+                  <a:schemeClr val="tx1"/>
+                </a:solidFill>
+                <a:latin typeface="Myriad Pro"/>
+                <a:cs typeface="Myriad Pro"/>
+              </a:endParaRPr>
+            </a:p>
+          </p:txBody>
+        </p:sp>
+      </p:grpSp>
+      <p:cxnSp>
+        <p:nvCxnSpPr>
+          <p:cNvPr id="36" name="Straight Connector 35"/>
+          <p:cNvCxnSpPr/>
+          <p:nvPr/>
+        </p:nvCxnSpPr>
+        <p:spPr>
+          <a:xfrm>
+            <a:off x="225623" y="4095737"/>
+            <a:ext cx="3177977" cy="6363"/>
+          </a:xfrm>
+          <a:prstGeom prst="line">
+            <a:avLst/>
+          </a:prstGeom>
+          <a:ln w="28575" cap="flat" cmpd="sng" algn="ctr">
+            <a:solidFill>
+              <a:schemeClr val="tx1">
+                <a:lumMod val="50000"/>
+                <a:lumOff val="50000"/>
+              </a:schemeClr>
+            </a:solidFill>
+            <a:prstDash val="sysDash"/>
+            <a:round/>
+            <a:headEnd type="none" w="med" len="med"/>
+            <a:tailEnd type="none" w="med" len="med"/>
+          </a:ln>
+          <a:effectLst/>
+        </p:spPr>
+        <p:style>
+          <a:lnRef idx="2">
+            <a:schemeClr val="accent1"/>
+          </a:lnRef>
+          <a:fillRef idx="0">
+            <a:schemeClr val="accent1"/>
+          </a:fillRef>
+          <a:effectRef idx="1">
+            <a:schemeClr val="accent1"/>
+          </a:effectRef>
+          <a:fontRef idx="minor">
+            <a:schemeClr val="tx1"/>
+          </a:fontRef>
+        </p:style>
+      </p:cxnSp>
+      <p:sp>
+        <p:nvSpPr>
+          <p:cNvPr id="38" name="Rectangle 37"/>
+          <p:cNvSpPr/>
+          <p:nvPr/>
+        </p:nvSpPr>
+        <p:spPr>
+          <a:xfrm>
+            <a:off x="941388" y="4223147"/>
+            <a:ext cx="876300" cy="361553"/>
+          </a:xfrm>
+          <a:prstGeom prst="rect">
+            <a:avLst/>
+          </a:prstGeom>
+          <a:solidFill>
+            <a:schemeClr val="bg1">
+              <a:lumMod val="85000"/>
+            </a:schemeClr>
+          </a:solidFill>
+          <a:ln w="19050" cap="flat" cmpd="sng" algn="ctr">
+            <a:solidFill>
+              <a:srgbClr val="7F7F7F"/>
+            </a:solidFill>
+            <a:prstDash val="solid"/>
+            <a:round/>
+            <a:headEnd type="none" w="med" len="med"/>
+            <a:tailEnd type="none" w="med" len="med"/>
+          </a:ln>
+          <a:effectLst/>
+        </p:spPr>
+        <p:style>
+          <a:lnRef idx="1">
+            <a:schemeClr val="accent1"/>
+          </a:lnRef>
+          <a:fillRef idx="3">
+            <a:schemeClr val="accent1"/>
+          </a:fillRef>
+          <a:effectRef idx="2">
+            <a:schemeClr val="accent1"/>
+          </a:effectRef>
+          <a:fontRef idx="minor">
+            <a:schemeClr val="lt1"/>
+          </a:fontRef>
+        </p:style>
+        <p:txBody>
+          <a:bodyPr rtlCol="0" anchor="ctr"/>
+          <a:lstStyle/>
+          <a:p>
+            <a:pPr algn="ctr"/>
+            <a:r>
+              <a:rPr lang="en-US" sz="2000" dirty="0" smtClean="0">
+                <a:solidFill>
+                  <a:schemeClr val="tx1"/>
+                </a:solidFill>
+                <a:latin typeface="Myriad Pro"/>
+                <a:cs typeface="Myriad Pro"/>
+              </a:rPr>
+              <a:t>FUSE</a:t>
+            </a:r>
+          </a:p>
+        </p:txBody>
+      </p:sp>
+      <p:cxnSp>
+        <p:nvCxnSpPr>
+          <p:cNvPr id="48" name="Shape 47"/>
+          <p:cNvCxnSpPr>
+            <a:endCxn id="38" idx="1"/>
+          </p:cNvCxnSpPr>
+          <p:nvPr/>
+        </p:nvCxnSpPr>
+        <p:spPr bwMode="auto">
+          <a:xfrm rot="16200000" flipH="1">
+            <a:off x="500709" y="3963245"/>
+            <a:ext cx="657424" cy="223934"/>
+          </a:xfrm>
+          <a:prstGeom prst="curvedConnector2">
+            <a:avLst/>
+          </a:prstGeom>
+          <a:solidFill>
+            <a:schemeClr val="accent1"/>
+          </a:solidFill>
+          <a:ln w="28575" cap="flat" cmpd="sng" algn="ctr">
+            <a:solidFill>
+              <a:schemeClr val="tx1"/>
+            </a:solidFill>
+            <a:prstDash val="solid"/>
+            <a:round/>
+            <a:headEnd type="none" w="med" len="med"/>
+            <a:tailEnd type="triangle" w="lg" len="lg"/>
+          </a:ln>
+          <a:effectLst/>
+        </p:spPr>
+      </p:cxnSp>
+      <p:cxnSp>
+        <p:nvCxnSpPr>
+          <p:cNvPr id="52" name="Curved Connector 51"/>
+          <p:cNvCxnSpPr>
+            <a:stCxn id="38" idx="3"/>
+          </p:cNvCxnSpPr>
+          <p:nvPr/>
+        </p:nvCxnSpPr>
+        <p:spPr bwMode="auto">
+          <a:xfrm flipV="1">
+            <a:off x="1817688" y="3162292"/>
+            <a:ext cx="256753" cy="1241632"/>
+          </a:xfrm>
+          <a:prstGeom prst="curvedConnector2">
+            <a:avLst/>
+          </a:prstGeom>
+          <a:solidFill>
+            <a:schemeClr val="accent1"/>
+          </a:solidFill>
+          <a:ln w="28575" cap="flat" cmpd="sng" algn="ctr">
+            <a:solidFill>
+              <a:schemeClr val="tx1"/>
+            </a:solidFill>
+            <a:prstDash val="solid"/>
+            <a:round/>
+            <a:headEnd type="none" w="med" len="med"/>
+            <a:tailEnd type="triangle" w="lg" len="lg"/>
+          </a:ln>
+          <a:effectLst/>
+        </p:spPr>
+      </p:cxnSp>
+      <p:cxnSp>
+        <p:nvCxnSpPr>
+          <p:cNvPr id="71" name="Straight Connector 70"/>
+          <p:cNvCxnSpPr/>
+          <p:nvPr/>
+        </p:nvCxnSpPr>
+        <p:spPr bwMode="auto">
+          <a:xfrm>
+            <a:off x="717455" y="4737100"/>
+            <a:ext cx="3435445" cy="1473200"/>
+          </a:xfrm>
+          <a:prstGeom prst="line">
+            <a:avLst/>
+          </a:prstGeom>
+          <a:solidFill>
+            <a:schemeClr val="accent1"/>
+          </a:solidFill>
+          <a:ln w="19050" cap="flat" cmpd="sng" algn="ctr">
+            <a:solidFill>
+              <a:srgbClr val="008000"/>
+            </a:solidFill>
+            <a:prstDash val="sysDash"/>
+            <a:round/>
+            <a:headEnd type="none" w="med" len="med"/>
+            <a:tailEnd type="none" w="med" len="med"/>
+          </a:ln>
+          <a:effectLst/>
+        </p:spPr>
+      </p:cxnSp>
+      <p:cxnSp>
+        <p:nvCxnSpPr>
+          <p:cNvPr id="74" name="Straight Connector 73"/>
+          <p:cNvCxnSpPr/>
+          <p:nvPr/>
+        </p:nvCxnSpPr>
+        <p:spPr bwMode="auto">
+          <a:xfrm rot="16200000" flipH="1">
+            <a:off x="2914650" y="4768850"/>
+            <a:ext cx="1727200" cy="749300"/>
+          </a:xfrm>
+          <a:prstGeom prst="line">
+            <a:avLst/>
+          </a:prstGeom>
+          <a:solidFill>
+            <a:schemeClr val="accent1"/>
+          </a:solidFill>
+          <a:ln w="19050" cap="flat" cmpd="sng" algn="ctr">
+            <a:solidFill>
+              <a:srgbClr val="008000"/>
+            </a:solidFill>
+            <a:prstDash val="sysDash"/>
+            <a:round/>
+            <a:headEnd type="none" w="med" len="med"/>
+            <a:tailEnd type="none" w="med" len="med"/>
+          </a:ln>
+          <a:effectLst/>
+        </p:spPr>
+      </p:cxnSp>
+      <p:sp>
+        <p:nvSpPr>
+          <p:cNvPr id="95" name="Rectangle 94"/>
+          <p:cNvSpPr/>
+          <p:nvPr/>
+        </p:nvSpPr>
+        <p:spPr>
+          <a:xfrm rot="16200000">
+            <a:off x="85087" y="3656102"/>
+            <a:ext cx="634993" cy="244277"/>
+          </a:xfrm>
+          <a:prstGeom prst="rect">
+            <a:avLst/>
+          </a:prstGeom>
+          <a:solidFill>
+            <a:srgbClr val="D9D9D9"/>
+          </a:solidFill>
+          <a:ln w="22225" cap="flat" cmpd="sng" algn="ctr">
+            <a:noFill/>
+            <a:prstDash val="solid"/>
+            <a:round/>
+            <a:headEnd type="none" w="med" len="med"/>
+            <a:tailEnd type="none" w="med" len="med"/>
+          </a:ln>
+          <a:effectLst/>
+        </p:spPr>
+        <p:style>
+          <a:lnRef idx="1">
+            <a:schemeClr val="accent1"/>
+          </a:lnRef>
+          <a:fillRef idx="3">
+            <a:schemeClr val="accent1"/>
+          </a:fillRef>
+          <a:effectRef idx="2">
+            <a:schemeClr val="accent1"/>
+          </a:effectRef>
+          <a:fontRef idx="minor">
+            <a:schemeClr val="lt1"/>
+          </a:fontRef>
+        </p:style>
+        <p:txBody>
+          <a:bodyPr rtlCol="0" anchor="ctr"/>
+          <a:lstStyle/>
+          <a:p>
+            <a:r>
+              <a:rPr lang="en-US" sz="1600" b="1" i="1" dirty="0" smtClean="0">
+                <a:solidFill>
+                  <a:schemeClr val="tx1"/>
+                </a:solidFill>
+                <a:latin typeface="Corbel"/>
+                <a:cs typeface="Corbel"/>
+              </a:rPr>
+              <a:t>User</a:t>
+            </a:r>
+            <a:endParaRPr lang="en-US" sz="1600" b="1" i="1" dirty="0">
+              <a:solidFill>
+                <a:schemeClr val="tx1"/>
+              </a:solidFill>
+              <a:latin typeface="Corbel"/>
+              <a:cs typeface="Corbel"/>
+            </a:endParaRPr>
+          </a:p>
+        </p:txBody>
+      </p:sp>
+      <p:cxnSp>
+        <p:nvCxnSpPr>
+          <p:cNvPr id="78" name="Straight Connector 77"/>
+          <p:cNvCxnSpPr/>
+          <p:nvPr/>
+        </p:nvCxnSpPr>
+        <p:spPr bwMode="auto">
+          <a:xfrm rot="5400000" flipH="1" flipV="1">
+            <a:off x="6146800" y="4737100"/>
+            <a:ext cx="1104900" cy="800100"/>
+          </a:xfrm>
+          <a:prstGeom prst="line">
+            <a:avLst/>
+          </a:prstGeom>
+          <a:solidFill>
+            <a:schemeClr val="accent1"/>
+          </a:solidFill>
+          <a:ln w="19050" cap="flat" cmpd="sng" algn="ctr">
+            <a:solidFill>
+              <a:srgbClr val="4F81BD"/>
+            </a:solidFill>
+            <a:prstDash val="sysDash"/>
+            <a:round/>
+            <a:headEnd type="none" w="med" len="med"/>
+            <a:tailEnd type="none" w="med" len="med"/>
+          </a:ln>
+          <a:effectLst/>
+        </p:spPr>
+      </p:cxnSp>
+      <p:cxnSp>
+        <p:nvCxnSpPr>
+          <p:cNvPr id="80" name="Straight Connector 79"/>
+          <p:cNvCxnSpPr/>
+          <p:nvPr/>
+        </p:nvCxnSpPr>
+        <p:spPr bwMode="auto">
+          <a:xfrm flipV="1">
+            <a:off x="6299200" y="4737100"/>
+            <a:ext cx="2233355" cy="1181100"/>
+          </a:xfrm>
+          <a:prstGeom prst="line">
+            <a:avLst/>
+          </a:prstGeom>
+          <a:solidFill>
+            <a:schemeClr val="accent1"/>
+          </a:solidFill>
+          <a:ln w="19050" cap="flat" cmpd="sng" algn="ctr">
+            <a:solidFill>
+              <a:srgbClr val="4F81BD"/>
+            </a:solidFill>
+            <a:prstDash val="sysDash"/>
+            <a:round/>
+            <a:headEnd type="none" w="med" len="med"/>
+            <a:tailEnd type="none" w="med" len="med"/>
+          </a:ln>
+          <a:effectLst/>
+        </p:spPr>
+      </p:cxnSp>
+      <p:sp>
+        <p:nvSpPr>
+          <p:cNvPr id="54" name="Rounded Rectangle 53"/>
+          <p:cNvSpPr/>
+          <p:nvPr/>
+        </p:nvSpPr>
+        <p:spPr>
+          <a:xfrm>
+            <a:off x="7124700" y="2070100"/>
+            <a:ext cx="1618848" cy="2692399"/>
+          </a:xfrm>
+          <a:prstGeom prst="roundRect">
+            <a:avLst/>
+          </a:prstGeom>
+          <a:solidFill>
+            <a:schemeClr val="accent1">
+              <a:lumMod val="20000"/>
+              <a:lumOff val="80000"/>
+            </a:schemeClr>
+          </a:solidFill>
+          <a:ln w="25400" cap="flat" cmpd="sng" algn="ctr">
+            <a:solidFill>
+              <a:srgbClr val="4F81BD"/>
+            </a:solidFill>
+            <a:prstDash val="solid"/>
+            <a:round/>
+            <a:headEnd type="none" w="med" len="med"/>
+            <a:tailEnd type="none" w="med" len="med"/>
+          </a:ln>
+          <a:effectLst/>
+        </p:spPr>
+        <p:style>
+          <a:lnRef idx="1">
+            <a:schemeClr val="accent1"/>
+          </a:lnRef>
+          <a:fillRef idx="3">
+            <a:schemeClr val="accent1"/>
+          </a:fillRef>
+          <a:effectRef idx="2">
+            <a:schemeClr val="accent1"/>
+          </a:effectRef>
+          <a:fontRef idx="minor">
+            <a:schemeClr val="lt1"/>
+          </a:fontRef>
+        </p:style>
+        <p:txBody>
+          <a:bodyPr rtlCol="0" anchor="ctr"/>
+          <a:lstStyle/>
+          <a:p>
+            <a:pPr algn="ctr"/>
+            <a:endParaRPr lang="en-US"/>
+          </a:p>
+        </p:txBody>
+      </p:sp>
+      <p:sp>
+        <p:nvSpPr>
+          <p:cNvPr id="55" name="Rectangle 54"/>
+          <p:cNvSpPr/>
+          <p:nvPr/>
+        </p:nvSpPr>
+        <p:spPr>
+          <a:xfrm>
+            <a:off x="7278688" y="2264671"/>
+            <a:ext cx="1347270" cy="951706"/>
+          </a:xfrm>
+          <a:prstGeom prst="rect">
+            <a:avLst/>
+          </a:prstGeom>
+          <a:solidFill>
+            <a:schemeClr val="bg1"/>
+          </a:solidFill>
+          <a:ln w="22225" cap="flat" cmpd="sng" algn="ctr">
+            <a:solidFill>
+              <a:srgbClr val="7F7F7F"/>
+            </a:solidFill>
+            <a:prstDash val="solid"/>
+            <a:round/>
+            <a:headEnd type="none" w="med" len="med"/>
+            <a:tailEnd type="none" w="med" len="med"/>
+          </a:ln>
+          <a:effectLst/>
+        </p:spPr>
+        <p:style>
+          <a:lnRef idx="1">
+            <a:schemeClr val="accent1"/>
+          </a:lnRef>
+          <a:fillRef idx="3">
+            <a:schemeClr val="accent1"/>
+          </a:fillRef>
+          <a:effectRef idx="2">
+            <a:schemeClr val="accent1"/>
+          </a:effectRef>
+          <a:fontRef idx="minor">
+            <a:schemeClr val="lt1"/>
+          </a:fontRef>
+        </p:style>
+        <p:txBody>
+          <a:bodyPr rtlCol="0" anchor="ctr"/>
+          <a:lstStyle/>
+          <a:p>
+            <a:pPr algn="ctr"/>
+            <a:r>
+              <a:rPr lang="en-US" sz="2200" dirty="0" smtClean="0">
+                <a:solidFill>
+                  <a:schemeClr val="tx1"/>
+                </a:solidFill>
+                <a:latin typeface="Myriad Pro"/>
+                <a:cs typeface="Myriad Pro"/>
+              </a:rPr>
+              <a:t>Metadata i</a:t>
+            </a:r>
+            <a:r>
+              <a:rPr lang="en-US" sz="2200" b="0" dirty="0" smtClean="0">
+                <a:solidFill>
+                  <a:schemeClr val="tx1"/>
+                </a:solidFill>
+                <a:latin typeface="Myriad Pro"/>
+                <a:cs typeface="Myriad Pro"/>
+              </a:rPr>
+              <a:t>ndexing</a:t>
+            </a:r>
+            <a:endParaRPr lang="en-US" sz="2200" b="0" dirty="0" smtClean="0">
+              <a:solidFill>
+                <a:schemeClr val="tx1"/>
+              </a:solidFill>
+              <a:latin typeface="Myriad Pro"/>
+              <a:cs typeface="Myriad Pro"/>
+            </a:endParaRPr>
+          </a:p>
+          <a:p>
+            <a:pPr algn="ctr"/>
+            <a:r>
+              <a:rPr lang="en-US" sz="2200" b="0" dirty="0" smtClean="0">
+                <a:solidFill>
+                  <a:schemeClr val="tx1"/>
+                </a:solidFill>
+                <a:latin typeface="Myriad Pro"/>
+                <a:cs typeface="Myriad Pro"/>
+              </a:rPr>
+              <a:t>server</a:t>
+            </a:r>
+            <a:endParaRPr lang="en-US" sz="2200" b="0" dirty="0">
+              <a:solidFill>
+                <a:schemeClr val="tx1"/>
+              </a:solidFill>
+              <a:latin typeface="Myriad Pro"/>
+              <a:cs typeface="Myriad Pro"/>
+            </a:endParaRPr>
+          </a:p>
+        </p:txBody>
+      </p:sp>
+      <p:cxnSp>
+        <p:nvCxnSpPr>
+          <p:cNvPr id="56" name="Straight Connector 55"/>
+          <p:cNvCxnSpPr/>
+          <p:nvPr/>
+        </p:nvCxnSpPr>
+        <p:spPr>
+          <a:xfrm flipV="1">
+            <a:off x="7164860" y="4102100"/>
+            <a:ext cx="1765300" cy="12700"/>
+          </a:xfrm>
+          <a:prstGeom prst="line">
+            <a:avLst/>
+          </a:prstGeom>
+          <a:ln w="28575" cap="flat" cmpd="sng" algn="ctr">
+            <a:solidFill>
+              <a:schemeClr val="tx1">
+                <a:lumMod val="50000"/>
+                <a:lumOff val="50000"/>
+              </a:schemeClr>
+            </a:solidFill>
+            <a:prstDash val="sysDash"/>
+            <a:round/>
+            <a:headEnd type="none" w="med" len="med"/>
+            <a:tailEnd type="none" w="med" len="med"/>
+          </a:ln>
+          <a:effectLst/>
+        </p:spPr>
+        <p:style>
+          <a:lnRef idx="2">
+            <a:schemeClr val="accent1"/>
+          </a:lnRef>
+          <a:fillRef idx="0">
+            <a:schemeClr val="accent1"/>
+          </a:fillRef>
+          <a:effectRef idx="1">
+            <a:schemeClr val="accent1"/>
+          </a:effectRef>
+          <a:fontRef idx="minor">
+            <a:schemeClr val="tx1"/>
+          </a:fontRef>
+        </p:style>
+      </p:cxnSp>
+      <p:sp>
+        <p:nvSpPr>
+          <p:cNvPr id="59" name="Rectangle 58"/>
+          <p:cNvSpPr/>
+          <p:nvPr/>
+        </p:nvSpPr>
+        <p:spPr>
+          <a:xfrm>
+            <a:off x="7262554" y="4238107"/>
+            <a:ext cx="1363403" cy="361553"/>
+          </a:xfrm>
+          <a:prstGeom prst="rect">
+            <a:avLst/>
+          </a:prstGeom>
+          <a:solidFill>
+            <a:schemeClr val="bg1">
+              <a:lumMod val="85000"/>
+            </a:schemeClr>
+          </a:solidFill>
+          <a:ln w="19050" cap="flat" cmpd="sng" algn="ctr">
+            <a:solidFill>
+              <a:schemeClr val="bg1">
+                <a:lumMod val="75000"/>
+              </a:schemeClr>
+            </a:solidFill>
+            <a:prstDash val="solid"/>
+            <a:round/>
+            <a:headEnd type="none" w="med" len="med"/>
+            <a:tailEnd type="none" w="med" len="med"/>
+          </a:ln>
+          <a:effectLst/>
+        </p:spPr>
+        <p:style>
+          <a:lnRef idx="1">
+            <a:schemeClr val="accent1"/>
+          </a:lnRef>
+          <a:fillRef idx="3">
+            <a:schemeClr val="accent1"/>
+          </a:fillRef>
+          <a:effectRef idx="2">
+            <a:schemeClr val="accent1"/>
+          </a:effectRef>
+          <a:fontRef idx="minor">
+            <a:schemeClr val="lt1"/>
+          </a:fontRef>
+        </p:style>
+        <p:txBody>
+          <a:bodyPr rtlCol="0" anchor="ctr"/>
+          <a:lstStyle/>
+          <a:p>
+            <a:pPr algn="ctr"/>
+            <a:r>
+              <a:rPr lang="en-US" sz="2000" b="0" dirty="0" err="1" smtClean="0">
+                <a:solidFill>
+                  <a:schemeClr val="tx1"/>
+                </a:solidFill>
+                <a:latin typeface="Myriad Pro"/>
+                <a:cs typeface="Myriad Pro"/>
+              </a:rPr>
+              <a:t>ClusterFS</a:t>
+            </a:r>
+            <a:endParaRPr lang="en-US" sz="2000" b="0" dirty="0" smtClean="0">
+              <a:solidFill>
+                <a:schemeClr val="tx1"/>
+              </a:solidFill>
+              <a:latin typeface="Myriad Pro"/>
+              <a:cs typeface="Myriad Pro"/>
+            </a:endParaRPr>
+          </a:p>
+        </p:txBody>
+      </p:sp>
+      <p:sp>
+        <p:nvSpPr>
+          <p:cNvPr id="82" name="Document 81"/>
+          <p:cNvSpPr/>
+          <p:nvPr/>
+        </p:nvSpPr>
+        <p:spPr bwMode="auto">
+          <a:xfrm>
+            <a:off x="6514420" y="5768612"/>
+            <a:ext cx="2624862" cy="962434"/>
+          </a:xfrm>
+          <a:prstGeom prst="flowChartDocument">
+            <a:avLst/>
+          </a:prstGeom>
+          <a:noFill/>
+          <a:ln w="9525" cap="flat" cmpd="sng" algn="ctr">
+            <a:noFill/>
+            <a:prstDash val="solid"/>
+            <a:round/>
+            <a:headEnd type="none" w="med" len="med"/>
+            <a:tailEnd type="none" w="med" len="med"/>
+          </a:ln>
+          <a:effectLst/>
+        </p:spPr>
+        <p:txBody>
+          <a:bodyPr anchor="b">
+            <a:prstTxWarp prst="textNoShape">
+              <a:avLst/>
+            </a:prstTxWarp>
+          </a:bodyPr>
+          <a:lstStyle/>
+          <a:p>
+            <a:pPr algn="ctr">
+              <a:defRPr/>
+            </a:pPr>
+            <a:r>
+              <a:rPr lang="en-US" sz="1400" b="0" dirty="0" err="1" smtClean="0">
+                <a:solidFill>
+                  <a:srgbClr val="FF0000"/>
+                </a:solidFill>
+                <a:latin typeface="Myriad Pro Semibold"/>
+                <a:cs typeface="Myriad Pro Semibold"/>
+              </a:rPr>
+              <a:t>levelDB</a:t>
+            </a:r>
+            <a:r>
+              <a:rPr lang="en-US" sz="1400" dirty="0" smtClean="0">
+                <a:solidFill>
+                  <a:srgbClr val="FF0000"/>
+                </a:solidFill>
+                <a:latin typeface="Myriad Pro Semibold"/>
+                <a:cs typeface="Myriad Pro Semibold"/>
+              </a:rPr>
+              <a:t>-based directory</a:t>
+            </a:r>
+          </a:p>
+          <a:p>
+            <a:pPr algn="ctr">
+              <a:defRPr/>
+            </a:pPr>
+            <a:r>
+              <a:rPr lang="en-US" sz="1400" dirty="0" smtClean="0">
+                <a:solidFill>
+                  <a:srgbClr val="FF0000"/>
+                </a:solidFill>
+                <a:latin typeface="Myriad Pro Semibold"/>
+                <a:cs typeface="Myriad Pro Semibold"/>
+              </a:rPr>
+              <a:t>structures stored on </a:t>
+            </a:r>
+            <a:r>
+              <a:rPr lang="en-US" sz="1400" dirty="0" err="1" smtClean="0">
+                <a:solidFill>
+                  <a:srgbClr val="FF0000"/>
+                </a:solidFill>
+                <a:latin typeface="Myriad Pro Semibold"/>
+                <a:cs typeface="Myriad Pro Semibold"/>
+              </a:rPr>
+              <a:t>ClusterFS</a:t>
+            </a:r>
+            <a:endParaRPr lang="en-US" sz="1400" b="0" dirty="0" smtClean="0">
+              <a:solidFill>
+                <a:srgbClr val="FF0000"/>
+              </a:solidFill>
+              <a:latin typeface="Myriad Pro Semibold"/>
+              <a:cs typeface="Myriad Pro Semibold"/>
+            </a:endParaRPr>
+          </a:p>
+          <a:p>
+            <a:pPr>
+              <a:defRPr/>
+            </a:pPr>
+            <a:r>
+              <a:rPr lang="en-US" sz="1400" dirty="0" smtClean="0">
+                <a:latin typeface="Myriad Pro Semibold"/>
+                <a:cs typeface="Myriad Pro Semibold"/>
+              </a:rPr>
+              <a:t>{</a:t>
+            </a:r>
+            <a:r>
+              <a:rPr lang="en-US" sz="1400" dirty="0" err="1" smtClean="0">
+                <a:latin typeface="Myriad Pro Semibold"/>
+                <a:cs typeface="Myriad Pro Semibold"/>
+              </a:rPr>
+              <a:t>logical_path</a:t>
+            </a:r>
+            <a:r>
+              <a:rPr lang="en-US" sz="1400" dirty="0" smtClean="0">
+                <a:latin typeface="Myriad Pro Semibold"/>
+                <a:cs typeface="Myriad Pro Semibold"/>
+              </a:rPr>
+              <a:t> </a:t>
+            </a:r>
+            <a:r>
+              <a:rPr lang="en-US" sz="1400" dirty="0" smtClean="0">
+                <a:latin typeface="Myriad Pro Semibold"/>
+                <a:cs typeface="Myriad Pro Semibold"/>
+                <a:sym typeface="Wingdings"/>
+              </a:rPr>
+              <a:t></a:t>
+            </a:r>
+            <a:r>
+              <a:rPr lang="en-US" sz="1400" dirty="0" smtClean="0">
+                <a:latin typeface="Myriad Pro Semibold"/>
+                <a:cs typeface="Myriad Pro Semibold"/>
+              </a:rPr>
+              <a:t>  </a:t>
+            </a:r>
+            <a:r>
+              <a:rPr lang="en-US" sz="1400" dirty="0" err="1" smtClean="0">
+                <a:latin typeface="Myriad Pro Semibold"/>
+                <a:cs typeface="Myriad Pro Semibold"/>
+              </a:rPr>
+              <a:t>clusterfs_path</a:t>
+            </a:r>
+            <a:r>
+              <a:rPr lang="en-US" sz="1400" dirty="0" smtClean="0">
+                <a:latin typeface="Myriad Pro Semibold"/>
+                <a:cs typeface="Myriad Pro Semibold"/>
+              </a:rPr>
+              <a:t>}</a:t>
+            </a:r>
+          </a:p>
+        </p:txBody>
+      </p:sp>
+      <p:cxnSp>
+        <p:nvCxnSpPr>
+          <p:cNvPr id="79" name="Straight Arrow Connector 78"/>
+          <p:cNvCxnSpPr>
+            <a:stCxn id="29" idx="2"/>
+            <a:endCxn id="126" idx="0"/>
+          </p:cNvCxnSpPr>
+          <p:nvPr/>
+        </p:nvCxnSpPr>
+        <p:spPr bwMode="auto">
+          <a:xfrm>
+            <a:off x="2515394" y="3142853"/>
+            <a:ext cx="67701" cy="1080294"/>
+          </a:xfrm>
+          <a:prstGeom prst="straightConnector1">
+            <a:avLst/>
+          </a:prstGeom>
+          <a:solidFill>
+            <a:schemeClr val="accent1"/>
+          </a:solidFill>
+          <a:ln w="28575" cap="flat" cmpd="sng" algn="ctr">
+            <a:solidFill>
+              <a:schemeClr val="tx1"/>
+            </a:solidFill>
+            <a:prstDash val="solid"/>
+            <a:round/>
+            <a:headEnd type="none" w="med" len="med"/>
+            <a:tailEnd type="triangle" w="lg" len="med"/>
+          </a:ln>
+          <a:effectLst/>
+        </p:spPr>
+      </p:cxnSp>
+      <p:sp>
+        <p:nvSpPr>
+          <p:cNvPr id="86" name="Rectangle 85"/>
+          <p:cNvSpPr/>
+          <p:nvPr/>
+        </p:nvSpPr>
+        <p:spPr>
+          <a:xfrm>
+            <a:off x="7264400" y="3492413"/>
+            <a:ext cx="1361558" cy="499538"/>
+          </a:xfrm>
+          <a:prstGeom prst="rect">
+            <a:avLst/>
+          </a:prstGeom>
+          <a:solidFill>
+            <a:schemeClr val="tx1">
+              <a:lumMod val="75000"/>
+              <a:lumOff val="25000"/>
+            </a:schemeClr>
+          </a:solidFill>
+          <a:ln w="19050" cap="flat" cmpd="sng" algn="ctr">
+            <a:solidFill>
+              <a:srgbClr val="7F7F7F"/>
+            </a:solidFill>
+            <a:prstDash val="solid"/>
+            <a:round/>
+            <a:headEnd type="none" w="med" len="med"/>
+            <a:tailEnd type="none" w="med" len="med"/>
+          </a:ln>
+          <a:effectLst/>
+        </p:spPr>
+        <p:style>
+          <a:lnRef idx="1">
+            <a:schemeClr val="accent1"/>
+          </a:lnRef>
+          <a:fillRef idx="3">
+            <a:schemeClr val="accent1"/>
+          </a:fillRef>
+          <a:effectRef idx="2">
+            <a:schemeClr val="accent1"/>
+          </a:effectRef>
+          <a:fontRef idx="minor">
+            <a:schemeClr val="lt1"/>
+          </a:fontRef>
+        </p:style>
+        <p:txBody>
+          <a:bodyPr rtlCol="0" anchor="ctr"/>
+          <a:lstStyle/>
+          <a:p>
+            <a:pPr algn="ctr"/>
+            <a:r>
+              <a:rPr lang="en-US" sz="1400" b="1" dirty="0" err="1" smtClean="0">
+                <a:solidFill>
+                  <a:schemeClr val="bg1"/>
+                </a:solidFill>
+                <a:latin typeface="Myriad Pro"/>
+                <a:cs typeface="Myriad Pro"/>
+              </a:rPr>
+              <a:t>LevelDB</a:t>
+            </a:r>
+            <a:endParaRPr lang="en-US" sz="1400" b="1" dirty="0" smtClean="0">
+              <a:solidFill>
+                <a:schemeClr val="bg1"/>
+              </a:solidFill>
+              <a:latin typeface="Myriad Pro"/>
+              <a:cs typeface="Myriad Pro"/>
+            </a:endParaRPr>
+          </a:p>
+          <a:p>
+            <a:pPr algn="ctr"/>
+            <a:r>
+              <a:rPr lang="en-US" sz="1400" dirty="0" smtClean="0">
+                <a:solidFill>
+                  <a:schemeClr val="bg1"/>
+                </a:solidFill>
+                <a:latin typeface="Myriad Pro"/>
+                <a:cs typeface="Myriad Pro"/>
+              </a:rPr>
+              <a:t>for metadata</a:t>
+            </a:r>
+          </a:p>
+        </p:txBody>
+      </p:sp>
+      <p:cxnSp>
+        <p:nvCxnSpPr>
+          <p:cNvPr id="88" name="Straight Arrow Connector 87"/>
+          <p:cNvCxnSpPr>
+            <a:stCxn id="55" idx="2"/>
+            <a:endCxn id="86" idx="0"/>
+          </p:cNvCxnSpPr>
+          <p:nvPr/>
+        </p:nvCxnSpPr>
+        <p:spPr bwMode="auto">
+          <a:xfrm flipH="1">
+            <a:off x="7945179" y="3216377"/>
+            <a:ext cx="7144" cy="276036"/>
+          </a:xfrm>
+          <a:prstGeom prst="straightConnector1">
+            <a:avLst/>
+          </a:prstGeom>
+          <a:solidFill>
+            <a:schemeClr val="accent1"/>
+          </a:solidFill>
+          <a:ln w="28575" cap="flat" cmpd="sng" algn="ctr">
+            <a:solidFill>
+              <a:schemeClr val="tx1"/>
+            </a:solidFill>
+            <a:prstDash val="solid"/>
+            <a:round/>
+            <a:headEnd type="none" w="med" len="med"/>
+            <a:tailEnd type="triangle" w="lg" len="med"/>
+          </a:ln>
+          <a:effectLst/>
+        </p:spPr>
+      </p:cxnSp>
+      <p:cxnSp>
+        <p:nvCxnSpPr>
+          <p:cNvPr id="96" name="Straight Arrow Connector 95"/>
+          <p:cNvCxnSpPr>
+            <a:stCxn id="86" idx="2"/>
+            <a:endCxn id="59" idx="0"/>
+          </p:cNvCxnSpPr>
+          <p:nvPr/>
+        </p:nvCxnSpPr>
+        <p:spPr bwMode="auto">
+          <a:xfrm flipH="1">
+            <a:off x="7944256" y="3991951"/>
+            <a:ext cx="923" cy="246156"/>
+          </a:xfrm>
+          <a:prstGeom prst="straightConnector1">
+            <a:avLst/>
+          </a:prstGeom>
+          <a:solidFill>
+            <a:schemeClr val="accent1"/>
+          </a:solidFill>
+          <a:ln w="28575" cap="flat" cmpd="sng" algn="ctr">
+            <a:solidFill>
+              <a:schemeClr val="tx1"/>
+            </a:solidFill>
+            <a:prstDash val="solid"/>
+            <a:round/>
+            <a:headEnd type="none" w="med" len="med"/>
+            <a:tailEnd type="triangle" w="lg" len="med"/>
+          </a:ln>
+          <a:effectLst/>
+        </p:spPr>
+      </p:cxnSp>
+      <p:sp>
+        <p:nvSpPr>
+          <p:cNvPr id="126" name="Rectangle 125"/>
+          <p:cNvSpPr/>
+          <p:nvPr/>
+        </p:nvSpPr>
+        <p:spPr>
+          <a:xfrm>
+            <a:off x="2013765" y="4223147"/>
+            <a:ext cx="1138659" cy="372458"/>
+          </a:xfrm>
+          <a:prstGeom prst="rect">
+            <a:avLst/>
+          </a:prstGeom>
+          <a:solidFill>
+            <a:schemeClr val="bg1">
+              <a:lumMod val="85000"/>
+            </a:schemeClr>
+          </a:solidFill>
+          <a:ln w="19050" cap="flat" cmpd="sng" algn="ctr">
+            <a:solidFill>
+              <a:srgbClr val="7F7F7F"/>
+            </a:solidFill>
+            <a:prstDash val="solid"/>
+            <a:round/>
+            <a:headEnd type="none" w="med" len="med"/>
+            <a:tailEnd type="none" w="med" len="med"/>
+          </a:ln>
+          <a:effectLst/>
+        </p:spPr>
+        <p:style>
+          <a:lnRef idx="1">
+            <a:schemeClr val="accent1"/>
+          </a:lnRef>
+          <a:fillRef idx="3">
+            <a:schemeClr val="accent1"/>
+          </a:fillRef>
+          <a:effectRef idx="2">
+            <a:schemeClr val="accent1"/>
+          </a:effectRef>
+          <a:fontRef idx="minor">
+            <a:schemeClr val="lt1"/>
+          </a:fontRef>
+        </p:style>
+        <p:txBody>
+          <a:bodyPr rtlCol="0" anchor="ctr"/>
+          <a:lstStyle/>
+          <a:p>
+            <a:pPr algn="ctr"/>
+            <a:r>
+              <a:rPr lang="en-US" dirty="0" err="1" smtClean="0">
+                <a:solidFill>
+                  <a:schemeClr val="tx1"/>
+                </a:solidFill>
+                <a:latin typeface="Myriad Pro"/>
+                <a:cs typeface="Myriad Pro"/>
+              </a:rPr>
+              <a:t>ClusterFS</a:t>
+            </a:r>
+            <a:endParaRPr lang="en-US" dirty="0" smtClean="0">
+              <a:solidFill>
+                <a:schemeClr val="tx1"/>
+              </a:solidFill>
+              <a:latin typeface="Myriad Pro"/>
+              <a:cs typeface="Myriad Pro"/>
+            </a:endParaRPr>
+          </a:p>
+        </p:txBody>
+      </p:sp>
+      <p:grpSp>
+        <p:nvGrpSpPr>
+          <p:cNvPr id="16" name="Group 161"/>
+          <p:cNvGrpSpPr/>
+          <p:nvPr/>
+        </p:nvGrpSpPr>
+        <p:grpSpPr>
+          <a:xfrm>
+            <a:off x="5017766" y="3012488"/>
+            <a:ext cx="773462" cy="1676401"/>
+            <a:chOff x="4928838" y="1562100"/>
+            <a:chExt cx="1633728" cy="2305448"/>
+          </a:xfrm>
+        </p:grpSpPr>
+        <p:grpSp>
+          <p:nvGrpSpPr>
+            <p:cNvPr id="17" name="Group 152"/>
+            <p:cNvGrpSpPr/>
+            <p:nvPr/>
+          </p:nvGrpSpPr>
+          <p:grpSpPr>
+            <a:xfrm>
+              <a:off x="5143500" y="1562100"/>
+              <a:ext cx="1206500" cy="1917700"/>
+              <a:chOff x="4165600" y="2336800"/>
+              <a:chExt cx="965200" cy="1917700"/>
+            </a:xfrm>
+            <a:solidFill>
+              <a:schemeClr val="bg1">
+                <a:lumMod val="85000"/>
+              </a:schemeClr>
+            </a:solidFill>
+          </p:grpSpPr>
+          <p:sp>
+            <p:nvSpPr>
+              <p:cNvPr id="154" name="Rectangle 153"/>
+              <p:cNvSpPr/>
+              <p:nvPr/>
+            </p:nvSpPr>
+            <p:spPr>
+              <a:xfrm>
+                <a:off x="4165600" y="2336800"/>
+                <a:ext cx="965200" cy="1917700"/>
+              </a:xfrm>
+              <a:prstGeom prst="rect">
+                <a:avLst/>
+              </a:prstGeom>
+              <a:grpFill/>
+              <a:ln w="31750" cap="flat" cmpd="sng" algn="ctr">
+                <a:solidFill>
+                  <a:schemeClr val="bg1">
+                    <a:lumMod val="50000"/>
+                  </a:schemeClr>
+                </a:solidFill>
+                <a:prstDash val="solid"/>
+                <a:round/>
+                <a:headEnd type="none" w="med" len="med"/>
+                <a:tailEnd type="none" w="med" len="med"/>
+              </a:ln>
+              <a:effectLst/>
+            </p:spPr>
+            <p:style>
+              <a:lnRef idx="1">
+                <a:schemeClr val="accent1"/>
+              </a:lnRef>
+              <a:fillRef idx="3">
+                <a:schemeClr val="accent1"/>
+              </a:fillRef>
+              <a:effectRef idx="2">
+                <a:schemeClr val="accent1"/>
+              </a:effectRef>
+              <a:fontRef idx="minor">
+                <a:schemeClr val="lt1"/>
+              </a:fontRef>
+            </p:style>
+            <p:txBody>
+              <a:bodyPr rtlCol="0" anchor="ctr"/>
+              <a:lstStyle/>
+              <a:p>
+                <a:pPr algn="ctr"/>
+                <a:endParaRPr lang="en-US"/>
+              </a:p>
+            </p:txBody>
+          </p:sp>
+          <p:cxnSp>
+            <p:nvCxnSpPr>
+              <p:cNvPr id="155" name="Straight Connector 154"/>
+              <p:cNvCxnSpPr/>
+              <p:nvPr/>
+            </p:nvCxnSpPr>
+            <p:spPr>
+              <a:xfrm rot="16200000" flipH="1">
+                <a:off x="4229100" y="3022600"/>
+                <a:ext cx="838200" cy="482600"/>
+              </a:xfrm>
+              <a:prstGeom prst="line">
+                <a:avLst/>
+              </a:prstGeom>
+              <a:grpFill/>
+              <a:ln w="31750" cap="flat" cmpd="sng" algn="ctr">
+                <a:solidFill>
+                  <a:schemeClr val="bg1">
+                    <a:lumMod val="50000"/>
+                  </a:schemeClr>
+                </a:solidFill>
+                <a:prstDash val="solid"/>
+                <a:round/>
+                <a:headEnd type="none" w="med" len="med"/>
+                <a:tailEnd type="none" w="med" len="med"/>
+              </a:ln>
+              <a:effectLst/>
+            </p:spPr>
+            <p:style>
+              <a:lnRef idx="2">
+                <a:schemeClr val="accent1"/>
+              </a:lnRef>
+              <a:fillRef idx="0">
+                <a:schemeClr val="accent1"/>
+              </a:fillRef>
+              <a:effectRef idx="1">
+                <a:schemeClr val="accent1"/>
+              </a:effectRef>
+              <a:fontRef idx="minor">
+                <a:schemeClr val="tx1"/>
+              </a:fontRef>
+            </p:style>
+          </p:cxnSp>
+          <p:cxnSp>
+            <p:nvCxnSpPr>
+              <p:cNvPr id="156" name="Straight Connector 155"/>
+              <p:cNvCxnSpPr/>
+              <p:nvPr/>
+            </p:nvCxnSpPr>
+            <p:spPr>
+              <a:xfrm rot="5400000" flipH="1" flipV="1">
+                <a:off x="4229100" y="3022600"/>
+                <a:ext cx="838200" cy="482600"/>
+              </a:xfrm>
+              <a:prstGeom prst="line">
+                <a:avLst/>
+              </a:prstGeom>
+              <a:grpFill/>
+              <a:ln w="31750" cap="flat" cmpd="sng" algn="ctr">
+                <a:solidFill>
+                  <a:schemeClr val="bg1">
+                    <a:lumMod val="50000"/>
+                  </a:schemeClr>
+                </a:solidFill>
+                <a:prstDash val="solid"/>
+                <a:round/>
+                <a:headEnd type="none" w="med" len="med"/>
+                <a:tailEnd type="none" w="med" len="med"/>
+              </a:ln>
+              <a:effectLst/>
+            </p:spPr>
+            <p:style>
+              <a:lnRef idx="2">
+                <a:schemeClr val="accent1"/>
+              </a:lnRef>
+              <a:fillRef idx="0">
+                <a:schemeClr val="accent1"/>
+              </a:fillRef>
+              <a:effectRef idx="1">
+                <a:schemeClr val="accent1"/>
+              </a:effectRef>
+              <a:fontRef idx="minor">
+                <a:schemeClr val="tx1"/>
+              </a:fontRef>
+            </p:style>
+          </p:cxnSp>
+          <p:cxnSp>
+            <p:nvCxnSpPr>
+              <p:cNvPr id="157" name="Straight Connector 156"/>
+              <p:cNvCxnSpPr/>
+              <p:nvPr/>
+            </p:nvCxnSpPr>
+            <p:spPr>
+              <a:xfrm rot="5400000">
+                <a:off x="4197350" y="3892550"/>
+                <a:ext cx="419100" cy="1588"/>
+              </a:xfrm>
+              <a:prstGeom prst="line">
+                <a:avLst/>
+              </a:prstGeom>
+              <a:grpFill/>
+              <a:ln w="31750" cap="flat" cmpd="sng" algn="ctr">
+                <a:solidFill>
+                  <a:schemeClr val="bg1">
+                    <a:lumMod val="50000"/>
+                  </a:schemeClr>
+                </a:solidFill>
+                <a:prstDash val="solid"/>
+                <a:round/>
+                <a:headEnd type="none" w="med" len="med"/>
+                <a:tailEnd type="none" w="med" len="med"/>
+              </a:ln>
+              <a:effectLst/>
+            </p:spPr>
+            <p:style>
+              <a:lnRef idx="2">
+                <a:schemeClr val="accent1"/>
+              </a:lnRef>
+              <a:fillRef idx="0">
+                <a:schemeClr val="accent1"/>
+              </a:fillRef>
+              <a:effectRef idx="1">
+                <a:schemeClr val="accent1"/>
+              </a:effectRef>
+              <a:fontRef idx="minor">
+                <a:schemeClr val="tx1"/>
+              </a:fontRef>
+            </p:style>
+          </p:cxnSp>
+          <p:cxnSp>
+            <p:nvCxnSpPr>
+              <p:cNvPr id="158" name="Straight Connector 157"/>
+              <p:cNvCxnSpPr/>
+              <p:nvPr/>
+            </p:nvCxnSpPr>
+            <p:spPr>
+              <a:xfrm rot="5400000">
+                <a:off x="4197350" y="2634456"/>
+                <a:ext cx="419100" cy="1588"/>
+              </a:xfrm>
+              <a:prstGeom prst="line">
+                <a:avLst/>
+              </a:prstGeom>
+              <a:grpFill/>
+              <a:ln w="31750" cap="flat" cmpd="sng" algn="ctr">
+                <a:solidFill>
+                  <a:schemeClr val="bg1">
+                    <a:lumMod val="50000"/>
+                  </a:schemeClr>
+                </a:solidFill>
+                <a:prstDash val="solid"/>
+                <a:round/>
+                <a:headEnd type="none" w="med" len="med"/>
+                <a:tailEnd type="none" w="med" len="med"/>
+              </a:ln>
+              <a:effectLst/>
+            </p:spPr>
+            <p:style>
+              <a:lnRef idx="2">
+                <a:schemeClr val="accent1"/>
+              </a:lnRef>
+              <a:fillRef idx="0">
+                <a:schemeClr val="accent1"/>
+              </a:fillRef>
+              <a:effectRef idx="1">
+                <a:schemeClr val="accent1"/>
+              </a:effectRef>
+              <a:fontRef idx="minor">
+                <a:schemeClr val="tx1"/>
+              </a:fontRef>
+            </p:style>
+          </p:cxnSp>
+          <p:cxnSp>
+            <p:nvCxnSpPr>
+              <p:cNvPr id="159" name="Straight Connector 158"/>
+              <p:cNvCxnSpPr/>
+              <p:nvPr/>
+            </p:nvCxnSpPr>
+            <p:spPr>
+              <a:xfrm rot="5400000">
+                <a:off x="4679156" y="2634456"/>
+                <a:ext cx="419100" cy="1588"/>
+              </a:xfrm>
+              <a:prstGeom prst="line">
+                <a:avLst/>
+              </a:prstGeom>
+              <a:grpFill/>
+              <a:ln w="31750" cap="flat" cmpd="sng" algn="ctr">
+                <a:solidFill>
+                  <a:schemeClr val="bg1">
+                    <a:lumMod val="50000"/>
+                  </a:schemeClr>
+                </a:solidFill>
+                <a:prstDash val="solid"/>
+                <a:round/>
+                <a:headEnd type="none" w="med" len="med"/>
+                <a:tailEnd type="none" w="med" len="med"/>
+              </a:ln>
+              <a:effectLst/>
+            </p:spPr>
+            <p:style>
+              <a:lnRef idx="2">
+                <a:schemeClr val="accent1"/>
+              </a:lnRef>
+              <a:fillRef idx="0">
+                <a:schemeClr val="accent1"/>
+              </a:fillRef>
+              <a:effectRef idx="1">
+                <a:schemeClr val="accent1"/>
+              </a:effectRef>
+              <a:fontRef idx="minor">
+                <a:schemeClr val="tx1"/>
+              </a:fontRef>
+            </p:style>
+          </p:cxnSp>
+          <p:cxnSp>
+            <p:nvCxnSpPr>
+              <p:cNvPr id="160" name="Straight Connector 159"/>
+              <p:cNvCxnSpPr/>
+              <p:nvPr/>
+            </p:nvCxnSpPr>
+            <p:spPr>
+              <a:xfrm rot="5400000">
+                <a:off x="4677568" y="3891756"/>
+                <a:ext cx="419100" cy="1588"/>
+              </a:xfrm>
+              <a:prstGeom prst="line">
+                <a:avLst/>
+              </a:prstGeom>
+              <a:grpFill/>
+              <a:ln w="31750" cap="flat" cmpd="sng" algn="ctr">
+                <a:solidFill>
+                  <a:schemeClr val="bg1">
+                    <a:lumMod val="50000"/>
+                  </a:schemeClr>
+                </a:solidFill>
+                <a:prstDash val="solid"/>
+                <a:round/>
+                <a:headEnd type="none" w="med" len="med"/>
+                <a:tailEnd type="none" w="med" len="med"/>
+              </a:ln>
+              <a:effectLst/>
+            </p:spPr>
+            <p:style>
+              <a:lnRef idx="2">
+                <a:schemeClr val="accent1"/>
+              </a:lnRef>
+              <a:fillRef idx="0">
+                <a:schemeClr val="accent1"/>
+              </a:fillRef>
+              <a:effectRef idx="1">
+                <a:schemeClr val="accent1"/>
+              </a:effectRef>
+              <a:fontRef idx="minor">
+                <a:schemeClr val="tx1"/>
+              </a:fontRef>
+            </p:style>
+          </p:cxnSp>
+        </p:grpSp>
+        <p:sp>
+          <p:nvSpPr>
+            <p:cNvPr id="161" name="Rectangle 160"/>
+            <p:cNvSpPr/>
+            <p:nvPr/>
+          </p:nvSpPr>
+          <p:spPr>
+            <a:xfrm>
+              <a:off x="4928838" y="3484762"/>
+              <a:ext cx="1633728" cy="382786"/>
+            </a:xfrm>
+            <a:prstGeom prst="rect">
+              <a:avLst/>
+            </a:prstGeom>
+            <a:noFill/>
+            <a:ln w="22225" cap="flat" cmpd="sng" algn="ctr">
+              <a:noFill/>
+              <a:prstDash val="solid"/>
+              <a:round/>
+              <a:headEnd type="none" w="med" len="med"/>
+              <a:tailEnd type="none" w="med" len="med"/>
+            </a:ln>
+            <a:effectLst/>
+          </p:spPr>
+          <p:style>
+            <a:lnRef idx="1">
+              <a:schemeClr val="accent1"/>
+            </a:lnRef>
+            <a:fillRef idx="3">
+              <a:schemeClr val="accent1"/>
+            </a:fillRef>
+            <a:effectRef idx="2">
+              <a:schemeClr val="accent1"/>
+            </a:effectRef>
+            <a:fontRef idx="minor">
+              <a:schemeClr val="lt1"/>
+            </a:fontRef>
+          </p:style>
+          <p:txBody>
+            <a:bodyPr rtlCol="0" anchor="ctr"/>
+            <a:lstStyle/>
+            <a:p>
+              <a:pPr algn="ctr"/>
+              <a:r>
+                <a:rPr lang="en-US" sz="1400" i="1" dirty="0" smtClean="0">
+                  <a:solidFill>
+                    <a:schemeClr val="tx1"/>
+                  </a:solidFill>
+                  <a:latin typeface="Corbel"/>
+                  <a:cs typeface="Corbel"/>
+                </a:rPr>
+                <a:t>network</a:t>
+              </a:r>
+              <a:endParaRPr lang="en-US" sz="1400" i="1" dirty="0">
+                <a:solidFill>
+                  <a:schemeClr val="tx1"/>
+                </a:solidFill>
+                <a:latin typeface="Corbel"/>
+                <a:cs typeface="Corbel"/>
+              </a:endParaRPr>
+            </a:p>
+          </p:txBody>
+        </p:sp>
+      </p:grpSp>
+      <p:sp>
+        <p:nvSpPr>
+          <p:cNvPr id="164" name="Freeform 163"/>
+          <p:cNvSpPr/>
+          <p:nvPr/>
+        </p:nvSpPr>
+        <p:spPr>
+          <a:xfrm>
+            <a:off x="3223955" y="2721072"/>
+            <a:ext cx="4102100" cy="571491"/>
+          </a:xfrm>
+          <a:custGeom>
+            <a:avLst/>
+            <a:gdLst>
+              <a:gd name="connsiteX0" fmla="*/ 0 w 4051300"/>
+              <a:gd name="connsiteY0" fmla="*/ 546100 h 1272117"/>
+              <a:gd name="connsiteX1" fmla="*/ 2108200 w 4051300"/>
+              <a:gd name="connsiteY1" fmla="*/ 1181100 h 1272117"/>
+              <a:gd name="connsiteX2" fmla="*/ 4051300 w 4051300"/>
+              <a:gd name="connsiteY2" fmla="*/ 0 h 1272117"/>
+            </a:gdLst>
+            <a:ahLst/>
+            <a:cxnLst>
+              <a:cxn ang="0">
+                <a:pos x="connsiteX0" y="connsiteY0"/>
+              </a:cxn>
+              <a:cxn ang="0">
+                <a:pos x="connsiteX1" y="connsiteY1"/>
+              </a:cxn>
+              <a:cxn ang="0">
+                <a:pos x="connsiteX2" y="connsiteY2"/>
+              </a:cxn>
+            </a:cxnLst>
+            <a:rect l="l" t="t" r="r" b="b"/>
+            <a:pathLst>
+              <a:path w="4051300" h="1272117">
+                <a:moveTo>
+                  <a:pt x="0" y="546100"/>
+                </a:moveTo>
+                <a:cubicBezTo>
+                  <a:pt x="716491" y="909108"/>
+                  <a:pt x="1432983" y="1272117"/>
+                  <a:pt x="2108200" y="1181100"/>
+                </a:cubicBezTo>
+                <a:cubicBezTo>
+                  <a:pt x="2783417" y="1090083"/>
+                  <a:pt x="3417358" y="545041"/>
+                  <a:pt x="4051300" y="0"/>
+                </a:cubicBezTo>
+              </a:path>
+            </a:pathLst>
+          </a:custGeom>
+          <a:ln w="38100" cap="flat" cmpd="sng" algn="ctr">
+            <a:solidFill>
+              <a:srgbClr val="FF0000"/>
+            </a:solidFill>
+            <a:prstDash val="solid"/>
+            <a:round/>
+            <a:headEnd type="arrow" w="lg" len="lg"/>
+            <a:tailEnd type="arrow" w="lg" len="lg"/>
+          </a:ln>
+          <a:effectLst/>
+        </p:spPr>
+        <p:style>
+          <a:lnRef idx="2">
+            <a:schemeClr val="accent1"/>
+          </a:lnRef>
+          <a:fillRef idx="0">
+            <a:schemeClr val="accent1"/>
+          </a:fillRef>
+          <a:effectRef idx="1">
+            <a:schemeClr val="accent1"/>
+          </a:effectRef>
+          <a:fontRef idx="minor">
+            <a:schemeClr val="tx1"/>
+          </a:fontRef>
+        </p:style>
+        <p:txBody>
+          <a:bodyPr rtlCol="0" anchor="ctr"/>
+          <a:lstStyle/>
+          <a:p>
+            <a:pPr algn="ctr"/>
+            <a:endParaRPr lang="en-US"/>
+          </a:p>
+        </p:txBody>
+      </p:sp>
+      <p:sp>
+        <p:nvSpPr>
+          <p:cNvPr id="168" name="TextBox 167"/>
+          <p:cNvSpPr txBox="1"/>
+          <p:nvPr/>
+        </p:nvSpPr>
+        <p:spPr>
+          <a:xfrm>
+            <a:off x="3403601" y="2281559"/>
+            <a:ext cx="3733799" cy="584776"/>
+          </a:xfrm>
+          <a:prstGeom prst="rect">
+            <a:avLst/>
+          </a:prstGeom>
+          <a:noFill/>
+        </p:spPr>
+        <p:txBody>
+          <a:bodyPr wrap="square" rtlCol="0">
+            <a:spAutoFit/>
+          </a:bodyPr>
+          <a:lstStyle/>
+          <a:p>
+            <a:r>
+              <a:rPr lang="en-US" sz="1600" i="1" dirty="0" err="1" smtClean="0">
+                <a:solidFill>
+                  <a:srgbClr val="FF0000"/>
+                </a:solidFill>
+                <a:latin typeface="Myriad Pro"/>
+                <a:cs typeface="Myriad Pro"/>
+              </a:rPr>
+              <a:t>clusterfs_path</a:t>
+            </a:r>
+            <a:r>
+              <a:rPr lang="en-US" sz="1600" dirty="0" smtClean="0">
+                <a:solidFill>
+                  <a:srgbClr val="FF0000"/>
+                </a:solidFill>
+                <a:latin typeface="Myriad Pro"/>
+                <a:cs typeface="Myriad Pro"/>
+              </a:rPr>
+              <a:t> </a:t>
+            </a:r>
+            <a:r>
+              <a:rPr lang="en-US" sz="1600" dirty="0" smtClean="0">
+                <a:solidFill>
+                  <a:srgbClr val="FF0000"/>
+                </a:solidFill>
+                <a:latin typeface="Myriad Pro"/>
+                <a:cs typeface="Myriad Pro"/>
+                <a:sym typeface="Wingdings"/>
+              </a:rPr>
+              <a:t></a:t>
+            </a:r>
+            <a:r>
+              <a:rPr lang="en-US" sz="1600" dirty="0" smtClean="0">
+                <a:solidFill>
+                  <a:srgbClr val="FF0000"/>
+                </a:solidFill>
+                <a:latin typeface="Myriad Pro"/>
+                <a:cs typeface="Myriad Pro"/>
+              </a:rPr>
+              <a:t> </a:t>
+            </a:r>
+            <a:r>
+              <a:rPr lang="en-US" sz="1600" b="1" dirty="0" smtClean="0">
+                <a:solidFill>
+                  <a:srgbClr val="FF0000"/>
+                </a:solidFill>
+                <a:latin typeface="Myriad Pro"/>
+                <a:cs typeface="Myriad Pro"/>
+              </a:rPr>
+              <a:t>resolve</a:t>
+            </a:r>
+            <a:r>
+              <a:rPr lang="en-US" sz="1600" dirty="0" smtClean="0">
+                <a:solidFill>
+                  <a:srgbClr val="FF0000"/>
+                </a:solidFill>
+                <a:latin typeface="Myriad Pro"/>
+                <a:cs typeface="Myriad Pro"/>
+              </a:rPr>
+              <a:t>(</a:t>
+            </a:r>
+            <a:r>
+              <a:rPr lang="en-US" sz="1600" i="1" dirty="0" err="1" smtClean="0">
+                <a:solidFill>
+                  <a:srgbClr val="FF0000"/>
+                </a:solidFill>
+                <a:latin typeface="Myriad Pro"/>
+                <a:cs typeface="Myriad Pro"/>
+              </a:rPr>
+              <a:t>logical_path</a:t>
+            </a:r>
+            <a:r>
+              <a:rPr lang="en-US" sz="1600" dirty="0" smtClean="0">
+                <a:solidFill>
+                  <a:srgbClr val="FF0000"/>
+                </a:solidFill>
+                <a:latin typeface="Myriad Pro"/>
+                <a:cs typeface="Myriad Pro"/>
+              </a:rPr>
+              <a:t>),</a:t>
+            </a:r>
+          </a:p>
+          <a:p>
+            <a:r>
+              <a:rPr lang="en-US" sz="1600" b="1" dirty="0" err="1" smtClean="0">
+                <a:solidFill>
+                  <a:srgbClr val="FF0000"/>
+                </a:solidFill>
+                <a:latin typeface="Myriad Pro"/>
+                <a:cs typeface="Myriad Pro"/>
+              </a:rPr>
+              <a:t>create</a:t>
+            </a:r>
+            <a:r>
+              <a:rPr lang="en-US" sz="1600" dirty="0" err="1" smtClean="0">
+                <a:solidFill>
+                  <a:srgbClr val="FF0000"/>
+                </a:solidFill>
+                <a:latin typeface="Myriad Pro"/>
+                <a:cs typeface="Myriad Pro"/>
+              </a:rPr>
+              <a:t>(</a:t>
+            </a:r>
+            <a:r>
+              <a:rPr lang="en-US" sz="1600" i="1" dirty="0" err="1" smtClean="0">
+                <a:solidFill>
+                  <a:srgbClr val="FF0000"/>
+                </a:solidFill>
+                <a:latin typeface="Myriad Pro"/>
+                <a:cs typeface="Myriad Pro"/>
+              </a:rPr>
+              <a:t>logical_path</a:t>
+            </a:r>
+            <a:r>
+              <a:rPr lang="en-US" sz="1600" dirty="0" smtClean="0">
+                <a:solidFill>
+                  <a:srgbClr val="FF0000"/>
+                </a:solidFill>
+                <a:latin typeface="Myriad Pro"/>
+                <a:cs typeface="Myriad Pro"/>
+              </a:rPr>
+              <a:t>), </a:t>
+            </a:r>
+            <a:r>
+              <a:rPr lang="en-US" sz="1600" b="1" dirty="0" err="1" smtClean="0">
+                <a:solidFill>
+                  <a:srgbClr val="FF0000"/>
+                </a:solidFill>
+                <a:latin typeface="Myriad Pro"/>
+                <a:cs typeface="Myriad Pro"/>
+              </a:rPr>
+              <a:t>mkdir</a:t>
+            </a:r>
+            <a:r>
+              <a:rPr lang="en-US" sz="1600" dirty="0" err="1" smtClean="0">
+                <a:solidFill>
+                  <a:srgbClr val="FF0000"/>
+                </a:solidFill>
+                <a:latin typeface="Myriad Pro"/>
+                <a:cs typeface="Myriad Pro"/>
+              </a:rPr>
+              <a:t>(</a:t>
+            </a:r>
+            <a:r>
+              <a:rPr lang="en-US" sz="1600" i="1" dirty="0" err="1" smtClean="0">
+                <a:solidFill>
+                  <a:srgbClr val="FF0000"/>
+                </a:solidFill>
+                <a:latin typeface="Myriad Pro"/>
+                <a:cs typeface="Myriad Pro"/>
+              </a:rPr>
+              <a:t>logical_dir</a:t>
+            </a:r>
+            <a:r>
+              <a:rPr lang="en-US" sz="1600" dirty="0" smtClean="0">
+                <a:solidFill>
+                  <a:srgbClr val="FF0000"/>
+                </a:solidFill>
+                <a:latin typeface="Myriad Pro"/>
+                <a:cs typeface="Myriad Pro"/>
+              </a:rPr>
+              <a:t>), ...</a:t>
+            </a:r>
+          </a:p>
+        </p:txBody>
+      </p:sp>
+      <p:sp>
+        <p:nvSpPr>
+          <p:cNvPr id="179" name="TextBox 178"/>
+          <p:cNvSpPr txBox="1"/>
+          <p:nvPr/>
+        </p:nvSpPr>
+        <p:spPr>
+          <a:xfrm rot="5400000">
+            <a:off x="7713779" y="4255814"/>
+            <a:ext cx="2428870" cy="369332"/>
+          </a:xfrm>
+          <a:prstGeom prst="rect">
+            <a:avLst/>
+          </a:prstGeom>
+          <a:noFill/>
+        </p:spPr>
+        <p:txBody>
+          <a:bodyPr wrap="none" rtlCol="0">
+            <a:spAutoFit/>
+          </a:bodyPr>
+          <a:lstStyle/>
+          <a:p>
+            <a:r>
+              <a:rPr lang="en-US" b="1" dirty="0" smtClean="0">
+                <a:solidFill>
+                  <a:srgbClr val="FF0000"/>
+                </a:solidFill>
+                <a:latin typeface="Myriad Pro"/>
+                <a:cs typeface="Myriad Pro"/>
+              </a:rPr>
+              <a:t>file/directory creation</a:t>
+            </a:r>
+            <a:endParaRPr lang="en-US" b="1" dirty="0">
+              <a:solidFill>
+                <a:srgbClr val="FF0000"/>
+              </a:solidFill>
+              <a:latin typeface="Myriad Pro"/>
+              <a:cs typeface="Myriad Pro"/>
+            </a:endParaRPr>
+          </a:p>
+        </p:txBody>
+      </p:sp>
+      <p:sp>
+        <p:nvSpPr>
+          <p:cNvPr id="182" name="TextBox 181"/>
+          <p:cNvSpPr txBox="1"/>
+          <p:nvPr/>
+        </p:nvSpPr>
+        <p:spPr>
+          <a:xfrm>
+            <a:off x="1528656" y="4773357"/>
+            <a:ext cx="1549282" cy="923330"/>
+          </a:xfrm>
+          <a:prstGeom prst="rect">
+            <a:avLst/>
+          </a:prstGeom>
+          <a:noFill/>
+        </p:spPr>
+        <p:txBody>
+          <a:bodyPr wrap="square" rtlCol="0">
+            <a:spAutoFit/>
+          </a:bodyPr>
+          <a:lstStyle/>
+          <a:p>
+            <a:pPr algn="r"/>
+            <a:r>
+              <a:rPr lang="en-US" b="1" dirty="0" smtClean="0">
+                <a:solidFill>
+                  <a:srgbClr val="0000FF"/>
+                </a:solidFill>
+                <a:latin typeface="Myriad Pro"/>
+                <a:cs typeface="Myriad Pro"/>
+              </a:rPr>
+              <a:t>Data path</a:t>
+            </a:r>
+          </a:p>
+          <a:p>
+            <a:pPr algn="r"/>
+            <a:r>
+              <a:rPr lang="en-US" dirty="0" smtClean="0">
+                <a:solidFill>
+                  <a:srgbClr val="0000FF"/>
+                </a:solidFill>
+                <a:latin typeface="Myriad Pro"/>
+                <a:cs typeface="Myriad Pro"/>
+              </a:rPr>
+              <a:t>(using the</a:t>
+            </a:r>
+          </a:p>
+          <a:p>
+            <a:pPr algn="r"/>
+            <a:r>
+              <a:rPr lang="en-US" i="1" dirty="0" err="1" smtClean="0">
+                <a:solidFill>
+                  <a:srgbClr val="0000FF"/>
+                </a:solidFill>
+                <a:latin typeface="Myriad Pro"/>
+                <a:cs typeface="Myriad Pro"/>
+              </a:rPr>
+              <a:t>clusterfs_path</a:t>
+            </a:r>
+            <a:r>
+              <a:rPr lang="en-US" dirty="0" smtClean="0">
+                <a:solidFill>
+                  <a:srgbClr val="0000FF"/>
+                </a:solidFill>
+                <a:latin typeface="Myriad Pro"/>
+                <a:cs typeface="Myriad Pro"/>
+              </a:rPr>
+              <a:t>)</a:t>
+            </a:r>
+            <a:endParaRPr lang="en-US" dirty="0">
+              <a:solidFill>
+                <a:srgbClr val="0000FF"/>
+              </a:solidFill>
+              <a:latin typeface="Myriad Pro"/>
+              <a:cs typeface="Myriad Pro"/>
+            </a:endParaRPr>
+          </a:p>
+        </p:txBody>
+      </p:sp>
+      <p:sp>
+        <p:nvSpPr>
+          <p:cNvPr id="89" name="TextBox 88"/>
+          <p:cNvSpPr txBox="1"/>
+          <p:nvPr/>
+        </p:nvSpPr>
+        <p:spPr>
+          <a:xfrm>
+            <a:off x="3956999" y="3238089"/>
+            <a:ext cx="1788801" cy="646331"/>
+          </a:xfrm>
+          <a:prstGeom prst="rect">
+            <a:avLst/>
+          </a:prstGeom>
+          <a:noFill/>
+        </p:spPr>
+        <p:txBody>
+          <a:bodyPr wrap="square" rtlCol="0">
+            <a:spAutoFit/>
+          </a:bodyPr>
+          <a:lstStyle/>
+          <a:p>
+            <a:r>
+              <a:rPr lang="en-US" b="1" dirty="0" smtClean="0">
+                <a:solidFill>
+                  <a:srgbClr val="FF0000"/>
+                </a:solidFill>
+                <a:latin typeface="Myriad Pro"/>
+                <a:cs typeface="Myriad Pro"/>
+              </a:rPr>
+              <a:t>Metadata</a:t>
+            </a:r>
+          </a:p>
+          <a:p>
+            <a:r>
+              <a:rPr lang="en-US" b="1" dirty="0" smtClean="0">
+                <a:solidFill>
+                  <a:srgbClr val="FF0000"/>
+                </a:solidFill>
+                <a:latin typeface="Myriad Pro"/>
+                <a:cs typeface="Myriad Pro"/>
+              </a:rPr>
+              <a:t> path</a:t>
+            </a:r>
+            <a:endParaRPr lang="en-US" b="1" dirty="0">
+              <a:solidFill>
+                <a:srgbClr val="FF0000"/>
+              </a:solidFill>
+              <a:latin typeface="Myriad Pro"/>
+              <a:cs typeface="Myriad Pro"/>
+            </a:endParaRPr>
+          </a:p>
+        </p:txBody>
+      </p:sp>
+      <p:cxnSp>
+        <p:nvCxnSpPr>
+          <p:cNvPr id="98" name="Curved Connector 97"/>
+          <p:cNvCxnSpPr/>
+          <p:nvPr/>
+        </p:nvCxnSpPr>
+        <p:spPr>
+          <a:xfrm rot="16200000" flipH="1">
+            <a:off x="2146444" y="3895810"/>
+            <a:ext cx="2625637" cy="1180314"/>
+          </a:xfrm>
+          <a:prstGeom prst="curvedConnector3">
+            <a:avLst>
+              <a:gd name="adj1" fmla="val 100474"/>
+            </a:avLst>
+          </a:prstGeom>
+          <a:ln w="38100" cap="flat" cmpd="sng" algn="ctr">
+            <a:solidFill>
+              <a:srgbClr val="0000FF"/>
+            </a:solidFill>
+            <a:prstDash val="solid"/>
+            <a:round/>
+            <a:headEnd type="none" w="med" len="med"/>
+            <a:tailEnd type="arrow" w="med" len="med"/>
+          </a:ln>
+          <a:effectLst/>
+        </p:spPr>
+        <p:style>
+          <a:lnRef idx="2">
+            <a:schemeClr val="accent1"/>
+          </a:lnRef>
+          <a:fillRef idx="0">
+            <a:schemeClr val="accent1"/>
+          </a:fillRef>
+          <a:effectRef idx="1">
+            <a:schemeClr val="accent1"/>
+          </a:effectRef>
+          <a:fontRef idx="minor">
+            <a:schemeClr val="tx1"/>
+          </a:fontRef>
+        </p:style>
+      </p:cxnSp>
+      <p:cxnSp>
+        <p:nvCxnSpPr>
+          <p:cNvPr id="108" name="Curved Connector 107"/>
+          <p:cNvCxnSpPr/>
+          <p:nvPr/>
+        </p:nvCxnSpPr>
+        <p:spPr>
+          <a:xfrm rot="5400000">
+            <a:off x="6135832" y="3494044"/>
+            <a:ext cx="2582412" cy="2027076"/>
+          </a:xfrm>
+          <a:prstGeom prst="curvedConnector3">
+            <a:avLst>
+              <a:gd name="adj1" fmla="val 99183"/>
+            </a:avLst>
+          </a:prstGeom>
+          <a:ln w="38100" cap="flat" cmpd="sng" algn="ctr">
+            <a:solidFill>
+              <a:srgbClr val="FF0000"/>
+            </a:solidFill>
+            <a:prstDash val="solid"/>
+            <a:round/>
+            <a:headEnd type="none" w="med" len="med"/>
+            <a:tailEnd type="arrow" w="med" len="med"/>
+          </a:ln>
+          <a:effectLst/>
+        </p:spPr>
+        <p:style>
+          <a:lnRef idx="2">
+            <a:schemeClr val="accent1"/>
+          </a:lnRef>
+          <a:fillRef idx="0">
+            <a:schemeClr val="accent1"/>
+          </a:fillRef>
+          <a:effectRef idx="1">
+            <a:schemeClr val="accent1"/>
+          </a:effectRef>
+          <a:fontRef idx="minor">
+            <a:schemeClr val="tx1"/>
+          </a:fontRef>
+        </p:style>
+      </p:cxnSp>
+    </p:spTree>
+    <p:extLst>
+      <p:ext uri="{BB962C8B-B14F-4D97-AF65-F5344CB8AC3E}">
+        <p14:creationId xmlns:p14="http://schemas.microsoft.com/office/powerpoint/2010/main" val="1646400441"/>
+      </p:ext>
+    </p:extLst>
+  </p:cSld>
+  <p:clrMapOvr>
+    <a:masterClrMapping/>
+  </p:clrMapOvr>
+  <p:timing>
+    <p:tnLst>
+      <p:par>
+        <p:cTn xmlns:p14="http://schemas.microsoft.com/office/powerpoint/2010/main" id="1" dur="indefinite" restart="never" nodeType="tmRoot"/>
       </p:par>
     </p:tnLst>
   </p:timing>
